--- a/projectpresentation.pptx
+++ b/projectpresentation.pptx
@@ -15,7 +15,7 @@
     <p:sldId id="264" r:id="rId9"/>
     <p:sldId id="265" r:id="rId10"/>
     <p:sldId id="266" r:id="rId11"/>
-    <p:sldId id="267" r:id="rId12"/>
+    <p:sldId id="271" r:id="rId12"/>
     <p:sldId id="268" r:id="rId13"/>
     <p:sldId id="269" r:id="rId14"/>
     <p:sldId id="270" r:id="rId15"/>
@@ -117,6 +117,11 @@
       </a:defRPr>
     </a:lvl9pPr>
   </p:defaultTextStyle>
+  <p:extLst>
+    <p:ext uri="{EFAFB233-063F-42B5-8137-9DF3F51BA10A}">
+      <p15:sldGuideLst xmlns:p15="http://schemas.microsoft.com/office/powerpoint/2012/main"/>
+    </p:ext>
+  </p:extLst>
 </p:presentation>
 </file>
 
@@ -5739,101 +5744,39 @@
       </p:grpSpPr>
       <p:sp>
         <p:nvSpPr>
-          <p:cNvPr id="5" name="Rounded Rectangle 4"/>
-          <p:cNvSpPr/>
-          <p:nvPr/>
+          <p:cNvPr id="3" name="Subtitle 2"/>
+          <p:cNvSpPr>
+            <a:spLocks noGrp="1"/>
+          </p:cNvSpPr>
+          <p:nvPr>
+            <p:ph type="subTitle" idx="1"/>
+          </p:nvPr>
         </p:nvSpPr>
         <p:spPr>
           <a:xfrm>
-            <a:off x="3028950" y="853835"/>
-            <a:ext cx="6055743" cy="3079631"/>
-          </a:xfrm>
-          <a:prstGeom prst="roundRect">
-            <a:avLst/>
-          </a:prstGeom>
-          <a:gradFill flip="none" rotWithShape="1">
-            <a:gsLst>
-              <a:gs pos="0">
-                <a:schemeClr val="accent1">
-                  <a:lumMod val="45000"/>
-                  <a:lumOff val="55000"/>
-                  <a:alpha val="78000"/>
-                </a:schemeClr>
-              </a:gs>
-              <a:gs pos="100000">
-                <a:schemeClr val="accent1">
-                  <a:lumMod val="30000"/>
-                  <a:lumOff val="70000"/>
-                  <a:alpha val="0"/>
-                </a:schemeClr>
-              </a:gs>
-            </a:gsLst>
-            <a:path path="circle">
-              <a:fillToRect l="50000" t="50000" r="50000" b="50000"/>
-            </a:path>
-            <a:tileRect/>
-          </a:gradFill>
-          <a:ln>
-            <a:noFill/>
-          </a:ln>
-        </p:spPr>
-        <p:style>
-          <a:lnRef idx="2">
-            <a:schemeClr val="accent1">
-              <a:shade val="50000"/>
-            </a:schemeClr>
-          </a:lnRef>
-          <a:fillRef idx="1">
-            <a:schemeClr val="accent1"/>
-          </a:fillRef>
-          <a:effectRef idx="0">
-            <a:schemeClr val="accent1"/>
-          </a:effectRef>
-          <a:fontRef idx="minor">
-            <a:schemeClr val="lt1"/>
-          </a:fontRef>
-        </p:style>
-        <p:txBody>
-          <a:bodyPr rtlCol="0" anchor="ctr"/>
-          <a:lstStyle/>
-          <a:p>
-            <a:pPr algn="ctr"/>
-            <a:endParaRPr lang="en-US"/>
-          </a:p>
-        </p:txBody>
-      </p:sp>
-      <p:sp>
-        <p:nvSpPr>
-          <p:cNvPr id="3" name="Subtitle 2"/>
-          <p:cNvSpPr>
-            <a:spLocks noGrp="1"/>
-          </p:cNvSpPr>
-          <p:nvPr>
-            <p:ph type="subTitle" idx="1"/>
-          </p:nvPr>
-        </p:nvSpPr>
-        <p:spPr>
-          <a:xfrm>
-            <a:off x="1581149" y="4545705"/>
-            <a:ext cx="9144000" cy="1763450"/>
+            <a:off x="1417249" y="4331469"/>
+            <a:ext cx="6191251" cy="1763450"/>
           </a:xfrm>
         </p:spPr>
         <p:txBody>
           <a:bodyPr/>
           <a:lstStyle/>
           <a:p>
+            <a:pPr algn="l"/>
             <a:r>
               <a:rPr lang="en-US" dirty="0" smtClean="0"/>
               <a:t>Project Manager: Victoria Donelson</a:t>
             </a:r>
           </a:p>
           <a:p>
+            <a:pPr algn="l"/>
             <a:r>
               <a:rPr lang="en-US" dirty="0" smtClean="0"/>
               <a:t>Technical Lead: Sierra Cockerill</a:t>
             </a:r>
           </a:p>
           <a:p>
+            <a:pPr algn="l"/>
             <a:r>
               <a:rPr lang="en-US" dirty="0" smtClean="0"/>
               <a:t>Quality Assurance: Bryan </a:t>
@@ -5848,7 +5791,7 @@
       </p:sp>
       <p:pic>
         <p:nvPicPr>
-          <p:cNvPr id="4" name="Picture 3"/>
+          <p:cNvPr id="10" name="Picture 9"/>
           <p:cNvPicPr>
             <a:picLocks noChangeAspect="1"/>
           </p:cNvPicPr>
@@ -5868,13 +5811,42 @@
         </p:blipFill>
         <p:spPr>
           <a:xfrm>
-            <a:off x="3639783" y="1121488"/>
-            <a:ext cx="4724809" cy="3424217"/>
+            <a:off x="7405287" y="2424197"/>
+            <a:ext cx="3803299" cy="3670722"/>
           </a:xfrm>
           <a:prstGeom prst="rect">
             <a:avLst/>
           </a:prstGeom>
-          <a:noFill/>
+        </p:spPr>
+      </p:pic>
+      <p:pic>
+        <p:nvPicPr>
+          <p:cNvPr id="14" name="Picture 13"/>
+          <p:cNvPicPr>
+            <a:picLocks noChangeAspect="1"/>
+          </p:cNvPicPr>
+          <p:nvPr/>
+        </p:nvPicPr>
+        <p:blipFill>
+          <a:blip r:embed="rId3">
+            <a:extLst>
+              <a:ext uri="{28A0092B-C50C-407E-A947-70E740481C1C}">
+                <a14:useLocalDpi xmlns:a14="http://schemas.microsoft.com/office/drawing/2010/main" val="0"/>
+              </a:ext>
+            </a:extLst>
+          </a:blip>
+          <a:stretch>
+            <a:fillRect/>
+          </a:stretch>
+        </p:blipFill>
+        <p:spPr>
+          <a:xfrm>
+            <a:off x="1151756" y="536649"/>
+            <a:ext cx="7621311" cy="3743969"/>
+          </a:xfrm>
+          <a:prstGeom prst="rect">
+            <a:avLst/>
+          </a:prstGeom>
         </p:spPr>
       </p:pic>
     </p:spTree>
@@ -5887,6 +5859,13 @@
   <p:clrMapOvr>
     <a:masterClrMapping/>
   </p:clrMapOvr>
+  <p:timing>
+    <p:tnLst>
+      <p:par>
+        <p:cTn id="1" dur="indefinite" restart="never" nodeType="tmRoot"/>
+      </p:par>
+    </p:tnLst>
+  </p:timing>
 </p:sld>
 </file>
 
@@ -5920,18 +5899,20 @@
         <p:spPr>
           <a:xfrm>
             <a:off x="495300" y="-561975"/>
-            <a:ext cx="3932237" cy="1600200"/>
+            <a:ext cx="4490768" cy="1600200"/>
           </a:xfrm>
         </p:spPr>
         <p:txBody>
-          <a:bodyPr/>
+          <a:bodyPr>
+            <a:normAutofit/>
+          </a:bodyPr>
           <a:lstStyle/>
           <a:p>
             <a:r>
-              <a:rPr lang="en-US" dirty="0" smtClean="0"/>
+              <a:rPr lang="en-US" sz="4000" dirty="0" smtClean="0"/>
               <a:t>Sequence Diagram</a:t>
             </a:r>
-            <a:endParaRPr lang="en-US" dirty="0"/>
+            <a:endParaRPr lang="en-US" sz="4000" dirty="0"/>
           </a:p>
         </p:txBody>
       </p:sp>
@@ -5973,6 +5954,13 @@
   <p:clrMapOvr>
     <a:masterClrMapping/>
   </p:clrMapOvr>
+  <p:timing>
+    <p:tnLst>
+      <p:par>
+        <p:cTn id="1" dur="indefinite" restart="never" nodeType="tmRoot"/>
+      </p:par>
+    </p:tnLst>
+  </p:timing>
 </p:sld>
 </file>
 
@@ -5995,38 +5983,101 @@
       </p:grpSpPr>
       <p:sp>
         <p:nvSpPr>
-          <p:cNvPr id="2" name="TextBox 1"/>
-          <p:cNvSpPr txBox="1"/>
-          <p:nvPr/>
-        </p:nvSpPr>
-        <p:spPr>
-          <a:xfrm>
-            <a:off x="790575" y="409574"/>
-            <a:ext cx="2914650" cy="523220"/>
-          </a:xfrm>
-          <a:prstGeom prst="rect">
-            <a:avLst/>
-          </a:prstGeom>
-          <a:noFill/>
-        </p:spPr>
-        <p:txBody>
-          <a:bodyPr wrap="square" rtlCol="0">
-            <a:spAutoFit/>
+          <p:cNvPr id="2" name="Title 1"/>
+          <p:cNvSpPr>
+            <a:spLocks noGrp="1"/>
+          </p:cNvSpPr>
+          <p:nvPr>
+            <p:ph type="title"/>
+          </p:nvPr>
+        </p:nvSpPr>
+        <p:spPr/>
+        <p:txBody>
+          <a:bodyPr>
+            <a:normAutofit/>
           </a:bodyPr>
           <a:lstStyle/>
           <a:p>
             <a:r>
-              <a:rPr lang="en-US" sz="2800" dirty="0" smtClean="0"/>
-              <a:t>Effort Expended</a:t>
-            </a:r>
-            <a:endParaRPr lang="en-US" sz="2800" dirty="0"/>
+              <a:rPr lang="en-US" dirty="0"/>
+              <a:t>Effort </a:t>
+            </a:r>
+            <a:r>
+              <a:rPr lang="en-US" dirty="0" smtClean="0"/>
+              <a:t>Expended</a:t>
+            </a:r>
+            <a:endParaRPr lang="en-US" dirty="0"/>
+          </a:p>
+        </p:txBody>
+      </p:sp>
+      <p:sp>
+        <p:nvSpPr>
+          <p:cNvPr id="3" name="Content Placeholder 2"/>
+          <p:cNvSpPr>
+            <a:spLocks noGrp="1"/>
+          </p:cNvSpPr>
+          <p:nvPr>
+            <p:ph idx="1"/>
+          </p:nvPr>
+        </p:nvSpPr>
+        <p:spPr/>
+        <p:txBody>
+          <a:bodyPr/>
+          <a:lstStyle/>
+          <a:p>
+            <a:r>
+              <a:rPr lang="en-US" dirty="0" smtClean="0"/>
+              <a:t>Lines of code: Total = 1,824</a:t>
+            </a:r>
+          </a:p>
+          <a:p>
+            <a:pPr lvl="1"/>
+            <a:r>
+              <a:rPr lang="en-US" dirty="0" smtClean="0"/>
+              <a:t>Java: 854</a:t>
+            </a:r>
+          </a:p>
+          <a:p>
+            <a:pPr lvl="1"/>
+            <a:r>
+              <a:rPr lang="en-US" dirty="0" smtClean="0"/>
+              <a:t>XML: 380</a:t>
+            </a:r>
+          </a:p>
+          <a:p>
+            <a:pPr lvl="1"/>
+            <a:r>
+              <a:rPr lang="en-US" dirty="0" smtClean="0"/>
+              <a:t>Text data: 590</a:t>
+            </a:r>
+          </a:p>
+          <a:p>
+            <a:r>
+              <a:rPr lang="en-US" dirty="0" smtClean="0"/>
+              <a:t>9 Java classes, 7 text files, 7 XML layout files, 58 images/icons</a:t>
+            </a:r>
+          </a:p>
+          <a:p>
+            <a:r>
+              <a:rPr lang="en-US" dirty="0" smtClean="0"/>
+              <a:t>17 methods</a:t>
+            </a:r>
+          </a:p>
+          <a:p>
+            <a:r>
+              <a:rPr lang="en-US" dirty="0" smtClean="0"/>
+              <a:t>222 lines of comments!</a:t>
+            </a:r>
+          </a:p>
+          <a:p>
+            <a:endParaRPr lang="en-US" dirty="0"/>
           </a:p>
         </p:txBody>
       </p:sp>
     </p:spTree>
     <p:extLst>
       <p:ext uri="{BB962C8B-B14F-4D97-AF65-F5344CB8AC3E}">
-        <p14:creationId xmlns:p14="http://schemas.microsoft.com/office/powerpoint/2010/main" val="131399307"/>
+        <p14:creationId xmlns:p14="http://schemas.microsoft.com/office/powerpoint/2010/main" val="3810395225"/>
       </p:ext>
     </p:extLst>
   </p:cSld>
@@ -6135,6 +6186,13 @@
   <p:clrMapOvr>
     <a:masterClrMapping/>
   </p:clrMapOvr>
+  <p:timing>
+    <p:tnLst>
+      <p:par>
+        <p:cTn id="1" dur="indefinite" restart="never" nodeType="tmRoot"/>
+      </p:par>
+    </p:tnLst>
+  </p:timing>
 </p:sld>
 </file>
 
@@ -6258,6 +6316,13 @@
   <p:clrMapOvr>
     <a:masterClrMapping/>
   </p:clrMapOvr>
+  <p:timing>
+    <p:tnLst>
+      <p:par>
+        <p:cTn id="1" dur="indefinite" restart="never" nodeType="tmRoot"/>
+      </p:par>
+    </p:tnLst>
+  </p:timing>
 </p:sld>
 </file>
 
@@ -6354,6 +6419,13 @@
   <p:clrMapOvr>
     <a:masterClrMapping/>
   </p:clrMapOvr>
+  <p:timing>
+    <p:tnLst>
+      <p:par>
+        <p:cTn id="1" dur="indefinite" restart="never" nodeType="tmRoot"/>
+      </p:par>
+    </p:tnLst>
+  </p:timing>
 </p:sld>
 </file>
 
@@ -6459,6 +6531,13 @@
   <p:clrMapOvr>
     <a:masterClrMapping/>
   </p:clrMapOvr>
+  <p:timing>
+    <p:tnLst>
+      <p:par>
+        <p:cTn id="1" dur="indefinite" restart="never" nodeType="tmRoot"/>
+      </p:par>
+    </p:tnLst>
+  </p:timing>
 </p:sld>
 </file>
 
@@ -6491,19 +6570,21 @@
         </p:nvSpPr>
         <p:spPr>
           <a:xfrm>
-            <a:off x="239713" y="295275"/>
+            <a:off x="239713" y="79615"/>
             <a:ext cx="3932237" cy="1600200"/>
           </a:xfrm>
         </p:spPr>
         <p:txBody>
-          <a:bodyPr/>
+          <a:bodyPr>
+            <a:normAutofit/>
+          </a:bodyPr>
           <a:lstStyle/>
           <a:p>
             <a:r>
-              <a:rPr lang="en-US" dirty="0" smtClean="0"/>
+              <a:rPr lang="en-US" sz="4000" dirty="0" smtClean="0"/>
               <a:t>Work breakdown</a:t>
             </a:r>
-            <a:endParaRPr lang="en-US" dirty="0"/>
+            <a:endParaRPr lang="en-US" sz="4000" dirty="0"/>
           </a:p>
         </p:txBody>
       </p:sp>
@@ -6550,6 +6631,13 @@
   <p:clrMapOvr>
     <a:masterClrMapping/>
   </p:clrMapOvr>
+  <p:timing>
+    <p:tnLst>
+      <p:par>
+        <p:cTn id="1" dur="indefinite" restart="never" nodeType="tmRoot"/>
+      </p:par>
+    </p:tnLst>
+  </p:timing>
 </p:sld>
 </file>
 
@@ -6582,8 +6670,8 @@
         </p:nvSpPr>
         <p:spPr>
           <a:xfrm>
-            <a:off x="373063" y="262760"/>
-            <a:ext cx="3932237" cy="1600200"/>
+            <a:off x="373063" y="64360"/>
+            <a:ext cx="4992567" cy="1600200"/>
           </a:xfrm>
         </p:spPr>
         <p:txBody>
@@ -6591,10 +6679,18 @@
           <a:lstStyle/>
           <a:p>
             <a:r>
+              <a:rPr lang="en-US" sz="4000" dirty="0" smtClean="0"/>
+              <a:t>Responsibility</a:t>
+            </a:r>
+            <a:r>
               <a:rPr lang="en-US" dirty="0" smtClean="0"/>
-              <a:t>Responsibility Matrix</a:t>
-            </a:r>
-            <a:endParaRPr lang="en-US" dirty="0"/>
+              <a:t> </a:t>
+            </a:r>
+            <a:r>
+              <a:rPr lang="en-US" sz="4000" dirty="0" smtClean="0"/>
+              <a:t>Matrix</a:t>
+            </a:r>
+            <a:endParaRPr lang="en-US" sz="4000" dirty="0"/>
           </a:p>
         </p:txBody>
       </p:sp>
@@ -6608,13 +6704,13 @@
             <p:ph idx="1"/>
             <p:extLst>
               <p:ext uri="{D42A27DB-BD31-4B8C-83A1-F6EECF244321}">
-                <p14:modId xmlns:p14="http://schemas.microsoft.com/office/powerpoint/2010/main" val="1775435234"/>
+                <p14:modId xmlns:p14="http://schemas.microsoft.com/office/powerpoint/2010/main" val="422194047"/>
               </p:ext>
             </p:extLst>
           </p:nvPr>
         </p:nvGraphicFramePr>
         <p:xfrm>
-          <a:off x="5883355" y="262760"/>
+          <a:off x="5383025" y="262760"/>
           <a:ext cx="4784644" cy="6243148"/>
         </p:xfrm>
         <a:graphic>
@@ -7746,12 +7842,12 @@
                         </a:spcAft>
                       </a:pPr>
                       <a:r>
-                        <a:rPr lang="en-US" sz="1000" kern="1000">
+                        <a:rPr lang="en-US" sz="1000" kern="1000" dirty="0">
                           <a:effectLst/>
                         </a:rPr>
                         <a:t> </a:t>
                       </a:r>
-                      <a:endParaRPr lang="en-US" sz="1000" kern="1000">
+                      <a:endParaRPr lang="en-US" sz="1000" kern="1000" dirty="0">
                         <a:solidFill>
                           <a:srgbClr val="595959"/>
                         </a:solidFill>
@@ -7783,12 +7879,12 @@
                         </a:spcAft>
                       </a:pPr>
                       <a:r>
-                        <a:rPr lang="en-US" sz="1000" kern="1000">
+                        <a:rPr lang="en-US" sz="1000" kern="1000" dirty="0">
                           <a:effectLst/>
                         </a:rPr>
                         <a:t>Work Breakdown</a:t>
                       </a:r>
-                      <a:endParaRPr lang="en-US" sz="1000" kern="1000">
+                      <a:endParaRPr lang="en-US" sz="1000" kern="1000" dirty="0">
                         <a:solidFill>
                           <a:srgbClr val="595959"/>
                         </a:solidFill>
@@ -11187,6 +11283,13 @@
   <p:clrMapOvr>
     <a:masterClrMapping/>
   </p:clrMapOvr>
+  <p:timing>
+    <p:tnLst>
+      <p:par>
+        <p:cTn id="1" dur="indefinite" restart="never" nodeType="tmRoot"/>
+      </p:par>
+    </p:tnLst>
+  </p:timing>
 </p:sld>
 </file>
 
@@ -11229,7 +11332,7 @@
         </p:blipFill>
         <p:spPr>
           <a:xfrm>
-            <a:off x="4100512" y="109538"/>
+            <a:off x="4885516" y="104842"/>
             <a:ext cx="6947187" cy="3328988"/>
           </a:xfrm>
           <a:prstGeom prst="rect">
@@ -11259,7 +11362,7 @@
         </p:blipFill>
         <p:spPr>
           <a:xfrm>
-            <a:off x="4100511" y="3506453"/>
+            <a:off x="4885516" y="3520090"/>
             <a:ext cx="6947187" cy="3273442"/>
           </a:xfrm>
           <a:prstGeom prst="rect">
@@ -11275,8 +11378,8 @@
         </p:nvSpPr>
         <p:spPr>
           <a:xfrm>
-            <a:off x="1168018" y="504825"/>
-            <a:ext cx="2739789" cy="461665"/>
+            <a:off x="158727" y="392682"/>
+            <a:ext cx="4445384" cy="707886"/>
           </a:xfrm>
           <a:prstGeom prst="rect">
             <a:avLst/>
@@ -11290,10 +11393,10 @@
           <a:lstStyle/>
           <a:p>
             <a:r>
-              <a:rPr lang="en-US" sz="2400" dirty="0" smtClean="0"/>
+              <a:rPr lang="en-US" sz="4000" dirty="0" smtClean="0"/>
               <a:t>Original Gantt Chart</a:t>
             </a:r>
-            <a:endParaRPr lang="en-US" sz="2400" dirty="0"/>
+            <a:endParaRPr lang="en-US" sz="4000" dirty="0"/>
           </a:p>
         </p:txBody>
       </p:sp>
@@ -11305,8 +11408,8 @@
         </p:nvSpPr>
         <p:spPr>
           <a:xfrm>
-            <a:off x="1371600" y="3705225"/>
-            <a:ext cx="2332626" cy="461665"/>
+            <a:off x="838400" y="3860500"/>
+            <a:ext cx="3765711" cy="707886"/>
           </a:xfrm>
           <a:prstGeom prst="rect">
             <a:avLst/>
@@ -11320,10 +11423,10 @@
           <a:lstStyle/>
           <a:p>
             <a:r>
-              <a:rPr lang="en-US" sz="2400" dirty="0" smtClean="0"/>
+              <a:rPr lang="en-US" sz="4000" dirty="0" smtClean="0"/>
               <a:t>Final Gantt Chart</a:t>
             </a:r>
-            <a:endParaRPr lang="en-US" sz="2400" dirty="0"/>
+            <a:endParaRPr lang="en-US" sz="4000" dirty="0"/>
           </a:p>
         </p:txBody>
       </p:sp>
@@ -11337,6 +11440,13 @@
   <p:clrMapOvr>
     <a:masterClrMapping/>
   </p:clrMapOvr>
+  <p:timing>
+    <p:tnLst>
+      <p:par>
+        <p:cTn id="1" dur="indefinite" restart="never" nodeType="tmRoot"/>
+      </p:par>
+    </p:tnLst>
+  </p:timing>
 </p:sld>
 </file>
 
@@ -11369,19 +11479,21 @@
         </p:nvSpPr>
         <p:spPr>
           <a:xfrm>
-            <a:off x="220663" y="47625"/>
-            <a:ext cx="3932237" cy="1600200"/>
+            <a:off x="686490" y="82130"/>
+            <a:ext cx="3756114" cy="1600200"/>
           </a:xfrm>
         </p:spPr>
         <p:txBody>
-          <a:bodyPr/>
+          <a:bodyPr>
+            <a:normAutofit/>
+          </a:bodyPr>
           <a:lstStyle/>
           <a:p>
             <a:r>
-              <a:rPr lang="en-US" dirty="0" smtClean="0"/>
+              <a:rPr lang="en-US" sz="4000" dirty="0" smtClean="0"/>
               <a:t>Use Case Diagram</a:t>
             </a:r>
-            <a:endParaRPr lang="en-US" dirty="0"/>
+            <a:endParaRPr lang="en-US" sz="4000" dirty="0"/>
           </a:p>
         </p:txBody>
       </p:sp>
@@ -11405,7 +11517,7 @@
         </p:blipFill>
         <p:spPr>
           <a:xfrm>
-            <a:off x="3714751" y="361950"/>
+            <a:off x="3542226" y="361950"/>
             <a:ext cx="8193722" cy="6106795"/>
           </a:xfrm>
           <a:prstGeom prst="rect">
@@ -11423,6 +11535,13 @@
   <p:clrMapOvr>
     <a:masterClrMapping/>
   </p:clrMapOvr>
+  <p:timing>
+    <p:tnLst>
+      <p:par>
+        <p:cTn id="1" dur="indefinite" restart="never" nodeType="tmRoot"/>
+      </p:par>
+    </p:tnLst>
+  </p:timing>
 </p:sld>
 </file>
 
@@ -11463,7 +11582,7 @@
         </p:blipFill>
         <p:spPr>
           <a:xfrm>
-            <a:off x="503824" y="1590675"/>
+            <a:off x="503824" y="1495787"/>
             <a:ext cx="11211926" cy="5003483"/>
           </a:xfrm>
           <a:prstGeom prst="rect">
@@ -11481,8 +11600,8 @@
         </p:nvSpPr>
         <p:spPr>
           <a:xfrm>
-            <a:off x="503824" y="790575"/>
-            <a:ext cx="3932237" cy="1600200"/>
+            <a:off x="503824" y="566289"/>
+            <a:ext cx="4904938" cy="1600200"/>
           </a:xfrm>
           <a:prstGeom prst="rect">
             <a:avLst/>
@@ -11531,10 +11650,10 @@
           </a:lstStyle>
           <a:p>
             <a:r>
-              <a:rPr lang="en-US" sz="3200" dirty="0" smtClean="0"/>
+              <a:rPr lang="en-US" sz="4000" dirty="0" smtClean="0"/>
               <a:t>Architectural Design</a:t>
             </a:r>
-            <a:endParaRPr lang="en-US" sz="3200" dirty="0"/>
+            <a:endParaRPr lang="en-US" sz="4000" dirty="0"/>
           </a:p>
         </p:txBody>
       </p:sp>
@@ -11548,6 +11667,13 @@
   <p:clrMapOvr>
     <a:masterClrMapping/>
   </p:clrMapOvr>
+  <p:timing>
+    <p:tnLst>
+      <p:par>
+        <p:cTn id="1" dur="indefinite" restart="never" nodeType="tmRoot"/>
+      </p:par>
+    </p:tnLst>
+  </p:timing>
 </p:sld>
 </file>
 
@@ -11579,7 +11705,7 @@
         <p:spPr>
           <a:xfrm>
             <a:off x="503824" y="790575"/>
-            <a:ext cx="3932237" cy="1600200"/>
+            <a:ext cx="4559882" cy="1600200"/>
           </a:xfrm>
           <a:prstGeom prst="rect">
             <a:avLst/>
@@ -11628,10 +11754,10 @@
           </a:lstStyle>
           <a:p>
             <a:r>
-              <a:rPr lang="en-US" sz="3200" dirty="0" smtClean="0"/>
+              <a:rPr lang="en-US" sz="4000" dirty="0" smtClean="0"/>
               <a:t>UML Class Models</a:t>
             </a:r>
-            <a:endParaRPr lang="en-US" sz="3200" dirty="0"/>
+            <a:endParaRPr lang="en-US" sz="4000" dirty="0"/>
           </a:p>
         </p:txBody>
       </p:sp>
@@ -11645,6 +11771,13 @@
   <p:clrMapOvr>
     <a:masterClrMapping/>
   </p:clrMapOvr>
+  <p:timing>
+    <p:tnLst>
+      <p:par>
+        <p:cTn id="1" dur="indefinite" restart="never" nodeType="tmRoot"/>
+      </p:par>
+    </p:tnLst>
+  </p:timing>
 </p:sld>
 </file>
 
@@ -11683,15 +11816,15 @@
         </p:spPr>
         <p:txBody>
           <a:bodyPr>
-            <a:normAutofit fontScale="90000"/>
+            <a:noAutofit/>
           </a:bodyPr>
           <a:lstStyle/>
           <a:p>
             <a:r>
-              <a:rPr lang="en-US" dirty="0" smtClean="0"/>
+              <a:rPr lang="en-US" sz="4000" dirty="0" smtClean="0"/>
               <a:t>Activity Diagram</a:t>
             </a:r>
-            <a:endParaRPr lang="en-US" dirty="0"/>
+            <a:endParaRPr lang="en-US" sz="4000" dirty="0"/>
           </a:p>
         </p:txBody>
       </p:sp>
@@ -11733,6 +11866,13 @@
   <p:clrMapOvr>
     <a:masterClrMapping/>
   </p:clrMapOvr>
+  <p:timing>
+    <p:tnLst>
+      <p:par>
+        <p:cTn id="1" dur="indefinite" restart="never" nodeType="tmRoot"/>
+      </p:par>
+    </p:tnLst>
+  </p:timing>
 </p:sld>
 </file>
 

--- a/projectpresentation.pptx
+++ b/projectpresentation.pptx
@@ -201,7 +201,7 @@
           </a:lstStyle>
           <a:p>
             <a:r>
-              <a:rPr lang="en-US" smtClean="0"/>
+              <a:rPr lang="en-US"/>
               <a:t>Click to edit Master title style</a:t>
             </a:r>
             <a:endParaRPr lang="en-US" dirty="0"/>
@@ -297,7 +297,7 @@
           </a:lstStyle>
           <a:p>
             <a:r>
-              <a:rPr lang="en-US" smtClean="0"/>
+              <a:rPr lang="en-US"/>
               <a:t>Click to edit Master subtitle style</a:t>
             </a:r>
             <a:endParaRPr lang="en-US" dirty="0"/>
@@ -321,7 +321,7 @@
           <a:p>
             <a:fld id="{ECD19FB2-3AAB-4D03-B13A-2960828C78E3}" type="datetimeFigureOut">
               <a:rPr lang="en-US" dirty="0"/>
-              <a:t>4/23/2016</a:t>
+              <a:t>4/25/2016</a:t>
             </a:fld>
             <a:endParaRPr lang="en-US" dirty="0"/>
           </a:p>
@@ -420,7 +420,7 @@
           </a:lstStyle>
           <a:p>
             <a:r>
-              <a:rPr lang="en-US" smtClean="0"/>
+              <a:rPr lang="en-US"/>
               <a:t>Click to edit Master title style</a:t>
             </a:r>
             <a:endParaRPr lang="en-US" dirty="0"/>
@@ -485,7 +485,7 @@
           </a:lstStyle>
           <a:p>
             <a:r>
-              <a:rPr lang="en-US" smtClean="0"/>
+              <a:rPr lang="en-US"/>
               <a:t>Click icon to add picture</a:t>
             </a:r>
             <a:endParaRPr lang="en-US" dirty="0"/>
@@ -575,7 +575,7 @@
           <a:p>
             <a:pPr lvl="0"/>
             <a:r>
-              <a:rPr lang="en-US" smtClean="0"/>
+              <a:rPr lang="en-US"/>
               <a:t>Click to edit Master text styles</a:t>
             </a:r>
           </a:p>
@@ -598,7 +598,7 @@
           <a:p>
             <a:fld id="{1B80C674-7DFC-42FE-B9CD-82963CDB1557}" type="datetimeFigureOut">
               <a:rPr lang="en-US" dirty="0"/>
-              <a:t>4/23/2016</a:t>
+              <a:t>4/25/2016</a:t>
             </a:fld>
             <a:endParaRPr lang="en-US" dirty="0"/>
           </a:p>
@@ -696,7 +696,7 @@
           </a:lstStyle>
           <a:p>
             <a:r>
-              <a:rPr lang="en-US" smtClean="0"/>
+              <a:rPr lang="en-US"/>
               <a:t>Click to edit Master title style</a:t>
             </a:r>
             <a:endParaRPr lang="en-US" dirty="0"/>
@@ -762,7 +762,7 @@
           <a:p>
             <a:pPr lvl="0"/>
             <a:r>
-              <a:rPr lang="en-US" smtClean="0"/>
+              <a:rPr lang="en-US"/>
               <a:t>Click to edit Master text styles</a:t>
             </a:r>
           </a:p>
@@ -785,7 +785,7 @@
           <a:p>
             <a:fld id="{2076456F-F47D-4F25-8053-2A695DA0CA7D}" type="datetimeFigureOut">
               <a:rPr lang="en-US" dirty="0"/>
-              <a:t>4/23/2016</a:t>
+              <a:t>4/25/2016</a:t>
             </a:fld>
             <a:endParaRPr lang="en-US" dirty="0"/>
           </a:p>
@@ -883,7 +883,7 @@
           </a:lstStyle>
           <a:p>
             <a:r>
-              <a:rPr lang="en-US" smtClean="0"/>
+              <a:rPr lang="en-US"/>
               <a:t>Click to edit Master title style</a:t>
             </a:r>
             <a:endParaRPr lang="en-US" dirty="0"/>
@@ -951,7 +951,7 @@
           <a:p>
             <a:pPr lvl="0"/>
             <a:r>
-              <a:rPr lang="en-US" smtClean="0"/>
+              <a:rPr lang="en-US"/>
               <a:t>Click to edit Master text styles</a:t>
             </a:r>
           </a:p>
@@ -1018,7 +1018,7 @@
           <a:p>
             <a:pPr lvl="0"/>
             <a:r>
-              <a:rPr lang="en-US" smtClean="0"/>
+              <a:rPr lang="en-US"/>
               <a:t>Click to edit Master text styles</a:t>
             </a:r>
           </a:p>
@@ -1041,7 +1041,7 @@
           <a:p>
             <a:fld id="{5D6C7379-69CC-4837-9905-BEBA22830C8A}" type="datetimeFigureOut">
               <a:rPr lang="en-US" dirty="0"/>
-              <a:t>4/23/2016</a:t>
+              <a:t>4/25/2016</a:t>
             </a:fld>
             <a:endParaRPr lang="en-US" dirty="0"/>
           </a:p>
@@ -1373,7 +1373,7 @@
           </a:lstStyle>
           <a:p>
             <a:r>
-              <a:rPr lang="en-US" smtClean="0"/>
+              <a:rPr lang="en-US"/>
               <a:t>Click to edit Master title style</a:t>
             </a:r>
             <a:endParaRPr lang="en-US" dirty="0"/>
@@ -1439,7 +1439,7 @@
           <a:p>
             <a:pPr lvl="0"/>
             <a:r>
-              <a:rPr lang="en-US" smtClean="0"/>
+              <a:rPr lang="en-US"/>
               <a:t>Click to edit Master text styles</a:t>
             </a:r>
           </a:p>
@@ -1462,7 +1462,7 @@
           <a:p>
             <a:fld id="{49EB8B7E-8AEE-4F10-BFEE-C999AD004D36}" type="datetimeFigureOut">
               <a:rPr lang="en-US" dirty="0"/>
-              <a:t>4/23/2016</a:t>
+              <a:t>4/25/2016</a:t>
             </a:fld>
             <a:endParaRPr lang="en-US" dirty="0"/>
           </a:p>
@@ -1556,7 +1556,7 @@
           <a:lstStyle/>
           <a:p>
             <a:r>
-              <a:rPr lang="en-US" smtClean="0"/>
+              <a:rPr lang="en-US"/>
               <a:t>Click to edit Master title style</a:t>
             </a:r>
             <a:endParaRPr lang="en-US" dirty="0"/>
@@ -1651,7 +1651,7 @@
           <a:p>
             <a:pPr lvl="0"/>
             <a:r>
-              <a:rPr lang="en-US" smtClean="0"/>
+              <a:rPr lang="en-US"/>
               <a:t>Click to edit Master text styles</a:t>
             </a:r>
           </a:p>
@@ -1718,7 +1718,7 @@
           <a:p>
             <a:pPr lvl="0"/>
             <a:r>
-              <a:rPr lang="en-US" smtClean="0"/>
+              <a:rPr lang="en-US"/>
               <a:t>Click to edit Master text styles</a:t>
             </a:r>
           </a:p>
@@ -1782,7 +1782,7 @@
               <a:buNone/>
             </a:pPr>
             <a:r>
-              <a:rPr lang="en-US" smtClean="0"/>
+              <a:rPr lang="en-US"/>
               <a:t>Click to edit Master text styles</a:t>
             </a:r>
           </a:p>
@@ -1849,7 +1849,7 @@
           <a:p>
             <a:pPr lvl="0"/>
             <a:r>
-              <a:rPr lang="en-US" smtClean="0"/>
+              <a:rPr lang="en-US"/>
               <a:t>Click to edit Master text styles</a:t>
             </a:r>
           </a:p>
@@ -1913,7 +1913,7 @@
               <a:buNone/>
             </a:pPr>
             <a:r>
-              <a:rPr lang="en-US" smtClean="0"/>
+              <a:rPr lang="en-US"/>
               <a:t>Click to edit Master text styles</a:t>
             </a:r>
           </a:p>
@@ -1980,7 +1980,7 @@
           <a:p>
             <a:pPr lvl="0"/>
             <a:r>
-              <a:rPr lang="en-US" smtClean="0"/>
+              <a:rPr lang="en-US"/>
               <a:t>Click to edit Master text styles</a:t>
             </a:r>
           </a:p>
@@ -2003,7 +2003,7 @@
           <a:p>
             <a:fld id="{8668F3F9-58BC-440B-B37B-805B9055EF92}" type="datetimeFigureOut">
               <a:rPr lang="en-US" dirty="0"/>
-              <a:t>4/23/2016</a:t>
+              <a:t>4/25/2016</a:t>
             </a:fld>
             <a:endParaRPr lang="en-US" dirty="0"/>
           </a:p>
@@ -2097,7 +2097,7 @@
           <a:lstStyle/>
           <a:p>
             <a:r>
-              <a:rPr lang="en-US" smtClean="0"/>
+              <a:rPr lang="en-US"/>
               <a:t>Click to edit Master title style</a:t>
             </a:r>
             <a:endParaRPr lang="en-US" dirty="0"/>
@@ -2188,7 +2188,7 @@
           <a:p>
             <a:pPr lvl="0"/>
             <a:r>
-              <a:rPr lang="en-US" smtClean="0"/>
+              <a:rPr lang="en-US"/>
               <a:t>Click to edit Master text styles</a:t>
             </a:r>
           </a:p>
@@ -2266,7 +2266,7 @@
           </a:lstStyle>
           <a:p>
             <a:r>
-              <a:rPr lang="en-US" smtClean="0"/>
+              <a:rPr lang="en-US"/>
               <a:t>Click icon to add picture</a:t>
             </a:r>
             <a:endParaRPr lang="en-US" dirty="0"/>
@@ -2334,7 +2334,7 @@
           <a:p>
             <a:pPr lvl="0"/>
             <a:r>
-              <a:rPr lang="en-US" smtClean="0"/>
+              <a:rPr lang="en-US"/>
               <a:t>Click to edit Master text styles</a:t>
             </a:r>
           </a:p>
@@ -2424,7 +2424,7 @@
           <a:p>
             <a:pPr lvl="0"/>
             <a:r>
-              <a:rPr lang="en-US" smtClean="0"/>
+              <a:rPr lang="en-US"/>
               <a:t>Click to edit Master text styles</a:t>
             </a:r>
           </a:p>
@@ -2502,7 +2502,7 @@
           </a:lstStyle>
           <a:p>
             <a:r>
-              <a:rPr lang="en-US" smtClean="0"/>
+              <a:rPr lang="en-US"/>
               <a:t>Click icon to add picture</a:t>
             </a:r>
             <a:endParaRPr lang="en-US" dirty="0"/>
@@ -2570,7 +2570,7 @@
           <a:p>
             <a:pPr lvl="0"/>
             <a:r>
-              <a:rPr lang="en-US" smtClean="0"/>
+              <a:rPr lang="en-US"/>
               <a:t>Click to edit Master text styles</a:t>
             </a:r>
           </a:p>
@@ -2660,7 +2660,7 @@
           <a:p>
             <a:pPr lvl="0"/>
             <a:r>
-              <a:rPr lang="en-US" smtClean="0"/>
+              <a:rPr lang="en-US"/>
               <a:t>Click to edit Master text styles</a:t>
             </a:r>
           </a:p>
@@ -2738,7 +2738,7 @@
           </a:lstStyle>
           <a:p>
             <a:r>
-              <a:rPr lang="en-US" smtClean="0"/>
+              <a:rPr lang="en-US"/>
               <a:t>Click icon to add picture</a:t>
             </a:r>
             <a:endParaRPr lang="en-US" dirty="0"/>
@@ -2806,7 +2806,7 @@
           <a:p>
             <a:pPr lvl="0"/>
             <a:r>
-              <a:rPr lang="en-US" smtClean="0"/>
+              <a:rPr lang="en-US"/>
               <a:t>Click to edit Master text styles</a:t>
             </a:r>
           </a:p>
@@ -2829,7 +2829,7 @@
           <a:p>
             <a:fld id="{0D5A53AF-48EA-489D-8260-9DCAB666386A}" type="datetimeFigureOut">
               <a:rPr lang="en-US" dirty="0"/>
-              <a:t>4/23/2016</a:t>
+              <a:t>4/25/2016</a:t>
             </a:fld>
             <a:endParaRPr lang="en-US" dirty="0"/>
           </a:p>
@@ -2918,7 +2918,7 @@
           <a:lstStyle/>
           <a:p>
             <a:r>
-              <a:rPr lang="en-US" smtClean="0"/>
+              <a:rPr lang="en-US"/>
               <a:t>Click to edit Master title style</a:t>
             </a:r>
             <a:endParaRPr lang="en-US" dirty="0"/>
@@ -2942,35 +2942,35 @@
           <a:p>
             <a:pPr lvl="0"/>
             <a:r>
-              <a:rPr lang="en-US" smtClean="0"/>
+              <a:rPr lang="en-US"/>
               <a:t>Click to edit Master text styles</a:t>
             </a:r>
           </a:p>
           <a:p>
             <a:pPr lvl="1"/>
             <a:r>
-              <a:rPr lang="en-US" smtClean="0"/>
+              <a:rPr lang="en-US"/>
               <a:t>Second level</a:t>
             </a:r>
           </a:p>
           <a:p>
             <a:pPr lvl="2"/>
             <a:r>
-              <a:rPr lang="en-US" smtClean="0"/>
+              <a:rPr lang="en-US"/>
               <a:t>Third level</a:t>
             </a:r>
           </a:p>
           <a:p>
             <a:pPr lvl="3"/>
             <a:r>
-              <a:rPr lang="en-US" smtClean="0"/>
+              <a:rPr lang="en-US"/>
               <a:t>Fourth level</a:t>
             </a:r>
           </a:p>
           <a:p>
             <a:pPr lvl="4"/>
             <a:r>
-              <a:rPr lang="en-US" smtClean="0"/>
+              <a:rPr lang="en-US"/>
               <a:t>Fifth level</a:t>
             </a:r>
             <a:endParaRPr lang="en-US" dirty="0"/>
@@ -2994,7 +2994,7 @@
           <a:p>
             <a:fld id="{0DED02AE-B9A4-47BD-AF8E-97E16144138B}" type="datetimeFigureOut">
               <a:rPr lang="en-US" dirty="0"/>
-              <a:t>4/23/2016</a:t>
+              <a:t>4/25/2016</a:t>
             </a:fld>
             <a:endParaRPr lang="en-US" dirty="0"/>
           </a:p>
@@ -3088,7 +3088,7 @@
           <a:lstStyle/>
           <a:p>
             <a:r>
-              <a:rPr lang="en-US" smtClean="0"/>
+              <a:rPr lang="en-US"/>
               <a:t>Click to edit Master title style</a:t>
             </a:r>
             <a:endParaRPr lang="en-US" dirty="0"/>
@@ -3117,35 +3117,35 @@
           <a:p>
             <a:pPr lvl="0"/>
             <a:r>
-              <a:rPr lang="en-US" smtClean="0"/>
+              <a:rPr lang="en-US"/>
               <a:t>Click to edit Master text styles</a:t>
             </a:r>
           </a:p>
           <a:p>
             <a:pPr lvl="1"/>
             <a:r>
-              <a:rPr lang="en-US" smtClean="0"/>
+              <a:rPr lang="en-US"/>
               <a:t>Second level</a:t>
             </a:r>
           </a:p>
           <a:p>
             <a:pPr lvl="2"/>
             <a:r>
-              <a:rPr lang="en-US" smtClean="0"/>
+              <a:rPr lang="en-US"/>
               <a:t>Third level</a:t>
             </a:r>
           </a:p>
           <a:p>
             <a:pPr lvl="3"/>
             <a:r>
-              <a:rPr lang="en-US" smtClean="0"/>
+              <a:rPr lang="en-US"/>
               <a:t>Fourth level</a:t>
             </a:r>
           </a:p>
           <a:p>
             <a:pPr lvl="4"/>
             <a:r>
-              <a:rPr lang="en-US" smtClean="0"/>
+              <a:rPr lang="en-US"/>
               <a:t>Fifth level</a:t>
             </a:r>
             <a:endParaRPr lang="en-US" dirty="0"/>
@@ -3169,7 +3169,7 @@
           <a:p>
             <a:fld id="{CF0FD78B-DB02-4362-BCDC-98A55456977C}" type="datetimeFigureOut">
               <a:rPr lang="en-US" dirty="0"/>
-              <a:t>4/23/2016</a:t>
+              <a:t>4/25/2016</a:t>
             </a:fld>
             <a:endParaRPr lang="en-US" dirty="0"/>
           </a:p>
@@ -3258,7 +3258,7 @@
           <a:lstStyle/>
           <a:p>
             <a:r>
-              <a:rPr lang="en-US" smtClean="0"/>
+              <a:rPr lang="en-US"/>
               <a:t>Click to edit Master title style</a:t>
             </a:r>
             <a:endParaRPr lang="en-US" dirty="0"/>
@@ -3282,35 +3282,35 @@
           <a:p>
             <a:pPr lvl="0"/>
             <a:r>
-              <a:rPr lang="en-US" smtClean="0"/>
+              <a:rPr lang="en-US"/>
               <a:t>Click to edit Master text styles</a:t>
             </a:r>
           </a:p>
           <a:p>
             <a:pPr lvl="1"/>
             <a:r>
-              <a:rPr lang="en-US" smtClean="0"/>
+              <a:rPr lang="en-US"/>
               <a:t>Second level</a:t>
             </a:r>
           </a:p>
           <a:p>
             <a:pPr lvl="2"/>
             <a:r>
-              <a:rPr lang="en-US" smtClean="0"/>
+              <a:rPr lang="en-US"/>
               <a:t>Third level</a:t>
             </a:r>
           </a:p>
           <a:p>
             <a:pPr lvl="3"/>
             <a:r>
-              <a:rPr lang="en-US" smtClean="0"/>
+              <a:rPr lang="en-US"/>
               <a:t>Fourth level</a:t>
             </a:r>
           </a:p>
           <a:p>
             <a:pPr lvl="4"/>
             <a:r>
-              <a:rPr lang="en-US" smtClean="0"/>
+              <a:rPr lang="en-US"/>
               <a:t>Fifth level</a:t>
             </a:r>
             <a:endParaRPr lang="en-US" dirty="0"/>
@@ -3334,7 +3334,7 @@
           <a:p>
             <a:fld id="{99916976-5D93-46E4-A98A-FAD63E4D0EA8}" type="datetimeFigureOut">
               <a:rPr lang="en-US" dirty="0"/>
-              <a:t>4/23/2016</a:t>
+              <a:t>4/25/2016</a:t>
             </a:fld>
             <a:endParaRPr lang="en-US" dirty="0"/>
           </a:p>
@@ -3466,7 +3466,7 @@
           </a:lstStyle>
           <a:p>
             <a:r>
-              <a:rPr lang="en-US" smtClean="0"/>
+              <a:rPr lang="en-US"/>
               <a:t>Click to edit Master title style</a:t>
             </a:r>
             <a:endParaRPr lang="en-US" dirty="0"/>
@@ -3562,7 +3562,7 @@
           </a:lstStyle>
           <a:p>
             <a:r>
-              <a:rPr lang="en-US" smtClean="0"/>
+              <a:rPr lang="en-US"/>
               <a:t>Click to edit Master subtitle style</a:t>
             </a:r>
             <a:endParaRPr lang="en-US" dirty="0"/>
@@ -3586,7 +3586,7 @@
           <a:p>
             <a:fld id="{0F39F4F5-F4D2-4D2A-AB60-88D37ADCB869}" type="datetimeFigureOut">
               <a:rPr lang="en-US" dirty="0"/>
-              <a:t>4/23/2016</a:t>
+              <a:t>4/25/2016</a:t>
             </a:fld>
             <a:endParaRPr lang="en-US" dirty="0"/>
           </a:p>
@@ -3675,7 +3675,7 @@
           <a:lstStyle/>
           <a:p>
             <a:r>
-              <a:rPr lang="en-US" smtClean="0"/>
+              <a:rPr lang="en-US"/>
               <a:t>Click to edit Master title style</a:t>
             </a:r>
             <a:endParaRPr lang="en-US" dirty="0"/>
@@ -3704,35 +3704,35 @@
           <a:p>
             <a:pPr lvl="0"/>
             <a:r>
-              <a:rPr lang="en-US" smtClean="0"/>
+              <a:rPr lang="en-US"/>
               <a:t>Click to edit Master text styles</a:t>
             </a:r>
           </a:p>
           <a:p>
             <a:pPr lvl="1"/>
             <a:r>
-              <a:rPr lang="en-US" smtClean="0"/>
+              <a:rPr lang="en-US"/>
               <a:t>Second level</a:t>
             </a:r>
           </a:p>
           <a:p>
             <a:pPr lvl="2"/>
             <a:r>
-              <a:rPr lang="en-US" smtClean="0"/>
+              <a:rPr lang="en-US"/>
               <a:t>Third level</a:t>
             </a:r>
           </a:p>
           <a:p>
             <a:pPr lvl="3"/>
             <a:r>
-              <a:rPr lang="en-US" smtClean="0"/>
+              <a:rPr lang="en-US"/>
               <a:t>Fourth level</a:t>
             </a:r>
           </a:p>
           <a:p>
             <a:pPr lvl="4"/>
             <a:r>
-              <a:rPr lang="en-US" smtClean="0"/>
+              <a:rPr lang="en-US"/>
               <a:t>Fifth level</a:t>
             </a:r>
             <a:endParaRPr lang="en-US" dirty="0"/>
@@ -3761,35 +3761,35 @@
           <a:p>
             <a:pPr lvl="0"/>
             <a:r>
-              <a:rPr lang="en-US" smtClean="0"/>
+              <a:rPr lang="en-US"/>
               <a:t>Click to edit Master text styles</a:t>
             </a:r>
           </a:p>
           <a:p>
             <a:pPr lvl="1"/>
             <a:r>
-              <a:rPr lang="en-US" smtClean="0"/>
+              <a:rPr lang="en-US"/>
               <a:t>Second level</a:t>
             </a:r>
           </a:p>
           <a:p>
             <a:pPr lvl="2"/>
             <a:r>
-              <a:rPr lang="en-US" smtClean="0"/>
+              <a:rPr lang="en-US"/>
               <a:t>Third level</a:t>
             </a:r>
           </a:p>
           <a:p>
             <a:pPr lvl="3"/>
             <a:r>
-              <a:rPr lang="en-US" smtClean="0"/>
+              <a:rPr lang="en-US"/>
               <a:t>Fourth level</a:t>
             </a:r>
           </a:p>
           <a:p>
             <a:pPr lvl="4"/>
             <a:r>
-              <a:rPr lang="en-US" smtClean="0"/>
+              <a:rPr lang="en-US"/>
               <a:t>Fifth level</a:t>
             </a:r>
             <a:endParaRPr lang="en-US" dirty="0"/>
@@ -3813,7 +3813,7 @@
           <a:p>
             <a:fld id="{D23BC6CE-6D1E-47E5-8859-F31AC5380EB2}" type="datetimeFigureOut">
               <a:rPr lang="en-US" dirty="0"/>
-              <a:t>4/23/2016</a:t>
+              <a:t>4/25/2016</a:t>
             </a:fld>
             <a:endParaRPr lang="en-US" dirty="0"/>
           </a:p>
@@ -3907,7 +3907,7 @@
           <a:lstStyle/>
           <a:p>
             <a:r>
-              <a:rPr lang="en-US" smtClean="0"/>
+              <a:rPr lang="en-US"/>
               <a:t>Click to edit Master title style</a:t>
             </a:r>
             <a:endParaRPr lang="en-US" dirty="0"/>
@@ -4000,7 +4000,7 @@
           <a:p>
             <a:pPr lvl="0"/>
             <a:r>
-              <a:rPr lang="en-US" smtClean="0"/>
+              <a:rPr lang="en-US"/>
               <a:t>Click to edit Master text styles</a:t>
             </a:r>
           </a:p>
@@ -4028,35 +4028,35 @@
           <a:p>
             <a:pPr lvl="0"/>
             <a:r>
-              <a:rPr lang="en-US" smtClean="0"/>
+              <a:rPr lang="en-US"/>
               <a:t>Click to edit Master text styles</a:t>
             </a:r>
           </a:p>
           <a:p>
             <a:pPr lvl="1"/>
             <a:r>
-              <a:rPr lang="en-US" smtClean="0"/>
+              <a:rPr lang="en-US"/>
               <a:t>Second level</a:t>
             </a:r>
           </a:p>
           <a:p>
             <a:pPr lvl="2"/>
             <a:r>
-              <a:rPr lang="en-US" smtClean="0"/>
+              <a:rPr lang="en-US"/>
               <a:t>Third level</a:t>
             </a:r>
           </a:p>
           <a:p>
             <a:pPr lvl="3"/>
             <a:r>
-              <a:rPr lang="en-US" smtClean="0"/>
+              <a:rPr lang="en-US"/>
               <a:t>Fourth level</a:t>
             </a:r>
           </a:p>
           <a:p>
             <a:pPr lvl="4"/>
             <a:r>
-              <a:rPr lang="en-US" smtClean="0"/>
+              <a:rPr lang="en-US"/>
               <a:t>Fifth level</a:t>
             </a:r>
             <a:endParaRPr lang="en-US" dirty="0"/>
@@ -4121,7 +4121,7 @@
               <a:buNone/>
             </a:pPr>
             <a:r>
-              <a:rPr lang="en-US" smtClean="0"/>
+              <a:rPr lang="en-US"/>
               <a:t>Click to edit Master text styles</a:t>
             </a:r>
           </a:p>
@@ -4149,35 +4149,35 @@
           <a:p>
             <a:pPr lvl="0"/>
             <a:r>
-              <a:rPr lang="en-US" smtClean="0"/>
+              <a:rPr lang="en-US"/>
               <a:t>Click to edit Master text styles</a:t>
             </a:r>
           </a:p>
           <a:p>
             <a:pPr lvl="1"/>
             <a:r>
-              <a:rPr lang="en-US" smtClean="0"/>
+              <a:rPr lang="en-US"/>
               <a:t>Second level</a:t>
             </a:r>
           </a:p>
           <a:p>
             <a:pPr lvl="2"/>
             <a:r>
-              <a:rPr lang="en-US" smtClean="0"/>
+              <a:rPr lang="en-US"/>
               <a:t>Third level</a:t>
             </a:r>
           </a:p>
           <a:p>
             <a:pPr lvl="3"/>
             <a:r>
-              <a:rPr lang="en-US" smtClean="0"/>
+              <a:rPr lang="en-US"/>
               <a:t>Fourth level</a:t>
             </a:r>
           </a:p>
           <a:p>
             <a:pPr lvl="4"/>
             <a:r>
-              <a:rPr lang="en-US" smtClean="0"/>
+              <a:rPr lang="en-US"/>
               <a:t>Fifth level</a:t>
             </a:r>
             <a:endParaRPr lang="en-US" dirty="0"/>
@@ -4201,7 +4201,7 @@
           <a:p>
             <a:fld id="{B1B4E7C4-4DA4-404D-9965-B13F2DD7D8BF}" type="datetimeFigureOut">
               <a:rPr lang="en-US" dirty="0"/>
-              <a:t>4/23/2016</a:t>
+              <a:t>4/25/2016</a:t>
             </a:fld>
             <a:endParaRPr lang="en-US" dirty="0"/>
           </a:p>
@@ -4290,7 +4290,7 @@
           <a:lstStyle/>
           <a:p>
             <a:r>
-              <a:rPr lang="en-US" smtClean="0"/>
+              <a:rPr lang="en-US"/>
               <a:t>Click to edit Master title style</a:t>
             </a:r>
             <a:endParaRPr lang="en-US" dirty="0"/>
@@ -4314,7 +4314,7 @@
           <a:p>
             <a:fld id="{476FB7AA-4A53-424F-AD41-70827B6504BA}" type="datetimeFigureOut">
               <a:rPr lang="en-US" dirty="0"/>
-              <a:t>4/23/2016</a:t>
+              <a:t>4/25/2016</a:t>
             </a:fld>
             <a:endParaRPr lang="en-US" dirty="0"/>
           </a:p>
@@ -4404,7 +4404,7 @@
           <a:p>
             <a:fld id="{E7884882-FB12-4BC8-9960-9AD8104D7FAE}" type="datetimeFigureOut">
               <a:rPr lang="en-US" dirty="0"/>
-              <a:t>4/23/2016</a:t>
+              <a:t>4/25/2016</a:t>
             </a:fld>
             <a:endParaRPr lang="en-US" dirty="0"/>
           </a:p>
@@ -4502,7 +4502,7 @@
           </a:lstStyle>
           <a:p>
             <a:r>
-              <a:rPr lang="en-US" smtClean="0"/>
+              <a:rPr lang="en-US"/>
               <a:t>Click to edit Master title style</a:t>
             </a:r>
             <a:endParaRPr lang="en-US" dirty="0"/>
@@ -4531,35 +4531,35 @@
           <a:p>
             <a:pPr lvl="0"/>
             <a:r>
-              <a:rPr lang="en-US" smtClean="0"/>
+              <a:rPr lang="en-US"/>
               <a:t>Click to edit Master text styles</a:t>
             </a:r>
           </a:p>
           <a:p>
             <a:pPr lvl="1"/>
             <a:r>
-              <a:rPr lang="en-US" smtClean="0"/>
+              <a:rPr lang="en-US"/>
               <a:t>Second level</a:t>
             </a:r>
           </a:p>
           <a:p>
             <a:pPr lvl="2"/>
             <a:r>
-              <a:rPr lang="en-US" smtClean="0"/>
+              <a:rPr lang="en-US"/>
               <a:t>Third level</a:t>
             </a:r>
           </a:p>
           <a:p>
             <a:pPr lvl="3"/>
             <a:r>
-              <a:rPr lang="en-US" smtClean="0"/>
+              <a:rPr lang="en-US"/>
               <a:t>Fourth level</a:t>
             </a:r>
           </a:p>
           <a:p>
             <a:pPr lvl="4"/>
             <a:r>
-              <a:rPr lang="en-US" smtClean="0"/>
+              <a:rPr lang="en-US"/>
               <a:t>Fifth level</a:t>
             </a:r>
             <a:endParaRPr lang="en-US" dirty="0"/>
@@ -4649,7 +4649,7 @@
           <a:p>
             <a:pPr lvl="0"/>
             <a:r>
-              <a:rPr lang="en-US" smtClean="0"/>
+              <a:rPr lang="en-US"/>
               <a:t>Click to edit Master text styles</a:t>
             </a:r>
           </a:p>
@@ -4672,7 +4672,7 @@
           <a:p>
             <a:fld id="{F7D1BD23-6E54-4D9D-AD88-A2813C73CC25}" type="datetimeFigureOut">
               <a:rPr lang="en-US" dirty="0"/>
-              <a:t>4/23/2016</a:t>
+              <a:t>4/25/2016</a:t>
             </a:fld>
             <a:endParaRPr lang="en-US" dirty="0"/>
           </a:p>
@@ -4770,7 +4770,7 @@
           </a:lstStyle>
           <a:p>
             <a:r>
-              <a:rPr lang="en-US" smtClean="0"/>
+              <a:rPr lang="en-US"/>
               <a:t>Click to edit Master title style</a:t>
             </a:r>
             <a:endParaRPr lang="en-US" dirty="0"/>
@@ -4835,7 +4835,7 @@
           </a:lstStyle>
           <a:p>
             <a:r>
-              <a:rPr lang="en-US" smtClean="0"/>
+              <a:rPr lang="en-US"/>
               <a:t>Click icon to add picture</a:t>
             </a:r>
             <a:endParaRPr lang="en-US" dirty="0"/>
@@ -4925,7 +4925,7 @@
           <a:p>
             <a:pPr lvl="0"/>
             <a:r>
-              <a:rPr lang="en-US" smtClean="0"/>
+              <a:rPr lang="en-US"/>
               <a:t>Click to edit Master text styles</a:t>
             </a:r>
           </a:p>
@@ -4948,7 +4948,7 @@
           <a:p>
             <a:fld id="{1471A834-4F3C-4AF9-9C74-05EC35A0F292}" type="datetimeFigureOut">
               <a:rPr lang="en-US" dirty="0"/>
-              <a:t>4/23/2016</a:t>
+              <a:t>4/25/2016</a:t>
             </a:fld>
             <a:endParaRPr lang="en-US" dirty="0"/>
           </a:p>
@@ -5061,7 +5061,7 @@
           <a:lstStyle/>
           <a:p>
             <a:r>
-              <a:rPr lang="en-US" smtClean="0"/>
+              <a:rPr lang="en-US"/>
               <a:t>Click to edit Master title style</a:t>
             </a:r>
             <a:endParaRPr lang="en-US" dirty="0"/>
@@ -5095,35 +5095,35 @@
           <a:p>
             <a:pPr lvl="0"/>
             <a:r>
-              <a:rPr lang="en-US" smtClean="0"/>
+              <a:rPr lang="en-US"/>
               <a:t>Click to edit Master text styles</a:t>
             </a:r>
           </a:p>
           <a:p>
             <a:pPr lvl="1"/>
             <a:r>
-              <a:rPr lang="en-US" smtClean="0"/>
+              <a:rPr lang="en-US"/>
               <a:t>Second level</a:t>
             </a:r>
           </a:p>
           <a:p>
             <a:pPr lvl="2"/>
             <a:r>
-              <a:rPr lang="en-US" smtClean="0"/>
+              <a:rPr lang="en-US"/>
               <a:t>Third level</a:t>
             </a:r>
           </a:p>
           <a:p>
             <a:pPr lvl="3"/>
             <a:r>
-              <a:rPr lang="en-US" smtClean="0"/>
+              <a:rPr lang="en-US"/>
               <a:t>Fourth level</a:t>
             </a:r>
           </a:p>
           <a:p>
             <a:pPr lvl="4"/>
             <a:r>
-              <a:rPr lang="en-US" smtClean="0"/>
+              <a:rPr lang="en-US"/>
               <a:t>Fifth level</a:t>
             </a:r>
             <a:endParaRPr lang="en-US" dirty="0"/>
@@ -5183,7 +5183,7 @@
           <a:p>
             <a:fld id="{51CF1133-3259-4C45-BABA-5B62D9C6F78D}" type="datetimeFigureOut">
               <a:rPr lang="en-US" dirty="0"/>
-              <a:t>4/23/2016</a:t>
+              <a:t>4/25/2016</a:t>
             </a:fld>
             <a:endParaRPr lang="en-US" dirty="0"/>
           </a:p>
@@ -5764,25 +5764,25 @@
           <a:p>
             <a:pPr algn="l"/>
             <a:r>
-              <a:rPr lang="en-US" dirty="0" smtClean="0"/>
+              <a:rPr lang="en-US" dirty="0"/>
               <a:t>Project Manager: Victoria Donelson</a:t>
             </a:r>
           </a:p>
           <a:p>
             <a:pPr algn="l"/>
             <a:r>
-              <a:rPr lang="en-US" dirty="0" smtClean="0"/>
+              <a:rPr lang="en-US" dirty="0"/>
               <a:t>Technical Lead: Sierra Cockerill</a:t>
             </a:r>
           </a:p>
           <a:p>
             <a:pPr algn="l"/>
             <a:r>
-              <a:rPr lang="en-US" dirty="0" smtClean="0"/>
+              <a:rPr lang="en-US" dirty="0"/>
               <a:t>Quality Assurance: Bryan </a:t>
             </a:r>
             <a:r>
-              <a:rPr lang="en-US" dirty="0" err="1" smtClean="0"/>
+              <a:rPr lang="en-US" dirty="0" err="1"/>
               <a:t>Silinski</a:t>
             </a:r>
             <a:endParaRPr lang="en-US" dirty="0"/>
@@ -5859,13 +5859,6 @@
   <p:clrMapOvr>
     <a:masterClrMapping/>
   </p:clrMapOvr>
-  <p:timing>
-    <p:tnLst>
-      <p:par>
-        <p:cTn id="1" dur="indefinite" restart="never" nodeType="tmRoot"/>
-      </p:par>
-    </p:tnLst>
-  </p:timing>
 </p:sld>
 </file>
 
@@ -5909,10 +5902,9 @@
           <a:lstStyle/>
           <a:p>
             <a:r>
-              <a:rPr lang="en-US" sz="4000" dirty="0" smtClean="0"/>
+              <a:rPr lang="en-US" sz="4000" dirty="0"/>
               <a:t>Sequence Diagram</a:t>
             </a:r>
-            <a:endParaRPr lang="en-US" sz="4000" dirty="0"/>
           </a:p>
         </p:txBody>
       </p:sp>
@@ -5954,13 +5946,6 @@
   <p:clrMapOvr>
     <a:masterClrMapping/>
   </p:clrMapOvr>
-  <p:timing>
-    <p:tnLst>
-      <p:par>
-        <p:cTn id="1" dur="indefinite" restart="never" nodeType="tmRoot"/>
-      </p:par>
-    </p:tnLst>
-  </p:timing>
 </p:sld>
 </file>
 
@@ -6000,13 +5985,8 @@
           <a:p>
             <a:r>
               <a:rPr lang="en-US" dirty="0"/>
-              <a:t>Effort </a:t>
-            </a:r>
-            <a:r>
-              <a:rPr lang="en-US" dirty="0" smtClean="0"/>
-              <a:t>Expended</a:t>
-            </a:r>
-            <a:endParaRPr lang="en-US" dirty="0"/>
+              <a:t>Effort Expended</a:t>
+            </a:r>
           </a:p>
         </p:txBody>
       </p:sp>
@@ -6026,46 +6006,46 @@
           <a:lstStyle/>
           <a:p>
             <a:r>
-              <a:rPr lang="en-US" dirty="0" smtClean="0"/>
+              <a:rPr lang="en-US" dirty="0"/>
               <a:t>Lines of code: Total = 1,824</a:t>
             </a:r>
           </a:p>
           <a:p>
             <a:pPr lvl="1"/>
             <a:r>
-              <a:rPr lang="en-US" dirty="0" smtClean="0"/>
+              <a:rPr lang="en-US" dirty="0"/>
               <a:t>Java: 854</a:t>
             </a:r>
           </a:p>
           <a:p>
             <a:pPr lvl="1"/>
             <a:r>
-              <a:rPr lang="en-US" dirty="0" smtClean="0"/>
+              <a:rPr lang="en-US" dirty="0"/>
               <a:t>XML: 380</a:t>
             </a:r>
           </a:p>
           <a:p>
             <a:pPr lvl="1"/>
             <a:r>
-              <a:rPr lang="en-US" dirty="0" smtClean="0"/>
+              <a:rPr lang="en-US" dirty="0"/>
               <a:t>Text data: 590</a:t>
             </a:r>
           </a:p>
           <a:p>
             <a:r>
-              <a:rPr lang="en-US" dirty="0" smtClean="0"/>
+              <a:rPr lang="en-US" dirty="0"/>
               <a:t>9 Java classes, 7 text files, 7 XML layout files, 58 images/icons</a:t>
             </a:r>
           </a:p>
           <a:p>
             <a:r>
-              <a:rPr lang="en-US" dirty="0" smtClean="0"/>
+              <a:rPr lang="en-US" dirty="0"/>
               <a:t>17 methods</a:t>
             </a:r>
           </a:p>
           <a:p>
             <a:r>
-              <a:rPr lang="en-US" dirty="0" smtClean="0"/>
+              <a:rPr lang="en-US" dirty="0"/>
               <a:t>222 lines of comments!</a:t>
             </a:r>
           </a:p>
@@ -6120,10 +6100,9 @@
           <a:lstStyle/>
           <a:p>
             <a:r>
-              <a:rPr lang="en-US" dirty="0" smtClean="0"/>
+              <a:rPr lang="en-US" dirty="0"/>
               <a:t>Testing</a:t>
             </a:r>
-            <a:endParaRPr lang="en-US" dirty="0"/>
           </a:p>
         </p:txBody>
       </p:sp>
@@ -6143,36 +6122,35 @@
           <a:lstStyle/>
           <a:p>
             <a:r>
-              <a:rPr lang="en-US" dirty="0" smtClean="0"/>
+              <a:rPr lang="en-US" dirty="0"/>
               <a:t>Testing method: Validation</a:t>
             </a:r>
           </a:p>
           <a:p>
             <a:r>
-              <a:rPr lang="en-US" dirty="0" smtClean="0"/>
+              <a:rPr lang="en-US" dirty="0"/>
               <a:t>Repeated test phases after each major function was finished</a:t>
             </a:r>
           </a:p>
           <a:p>
             <a:r>
-              <a:rPr lang="en-US" dirty="0" smtClean="0"/>
+              <a:rPr lang="en-US" dirty="0"/>
               <a:t>Interesting bugs we had to fix: </a:t>
             </a:r>
           </a:p>
           <a:p>
             <a:pPr lvl="1"/>
             <a:r>
-              <a:rPr lang="en-US" dirty="0" smtClean="0"/>
+              <a:rPr lang="en-US" dirty="0"/>
               <a:t>Directions led through the pond</a:t>
             </a:r>
           </a:p>
           <a:p>
             <a:pPr lvl="1"/>
             <a:r>
-              <a:rPr lang="en-US" dirty="0" smtClean="0"/>
+              <a:rPr lang="en-US" dirty="0"/>
               <a:t>Could not get directions multiple times in a row</a:t>
             </a:r>
-            <a:endParaRPr lang="en-US" dirty="0"/>
           </a:p>
         </p:txBody>
       </p:sp>
@@ -6186,13 +6164,6 @@
   <p:clrMapOvr>
     <a:masterClrMapping/>
   </p:clrMapOvr>
-  <p:timing>
-    <p:tnLst>
-      <p:par>
-        <p:cTn id="1" dur="indefinite" restart="never" nodeType="tmRoot"/>
-      </p:par>
-    </p:tnLst>
-  </p:timing>
 </p:sld>
 </file>
 
@@ -6229,10 +6200,9 @@
           <a:lstStyle/>
           <a:p>
             <a:r>
-              <a:rPr lang="en-US" dirty="0" smtClean="0"/>
+              <a:rPr lang="en-US" dirty="0"/>
               <a:t>Professional, Legal, Ethical Issues</a:t>
             </a:r>
-            <a:endParaRPr lang="en-US" dirty="0"/>
           </a:p>
         </p:txBody>
       </p:sp>
@@ -6257,22 +6227,21 @@
           <a:lstStyle/>
           <a:p>
             <a:r>
-              <a:rPr lang="en-US" dirty="0" smtClean="0"/>
+              <a:rPr lang="en-US" dirty="0"/>
               <a:t>Warns about privacy/location and device access</a:t>
             </a:r>
           </a:p>
           <a:p>
             <a:r>
-              <a:rPr lang="en-US" dirty="0" smtClean="0"/>
+              <a:rPr lang="en-US" dirty="0"/>
               <a:t> Did not ask permission to use WAVE bus tracking resources</a:t>
             </a:r>
           </a:p>
           <a:p>
             <a:r>
-              <a:rPr lang="en-US" dirty="0" smtClean="0"/>
+              <a:rPr lang="en-US" dirty="0"/>
               <a:t>Not storing login details or user information</a:t>
             </a:r>
-            <a:endParaRPr lang="en-US" dirty="0"/>
           </a:p>
         </p:txBody>
       </p:sp>
@@ -6316,13 +6285,6 @@
   <p:clrMapOvr>
     <a:masterClrMapping/>
   </p:clrMapOvr>
-  <p:timing>
-    <p:tnLst>
-      <p:par>
-        <p:cTn id="1" dur="indefinite" restart="never" nodeType="tmRoot"/>
-      </p:par>
-    </p:tnLst>
-  </p:timing>
 </p:sld>
 </file>
 
@@ -6359,10 +6321,9 @@
           <a:lstStyle/>
           <a:p>
             <a:r>
-              <a:rPr lang="en-US" dirty="0" smtClean="0"/>
+              <a:rPr lang="en-US" dirty="0"/>
               <a:t>Lessons Learned</a:t>
             </a:r>
-            <a:endParaRPr lang="en-US" dirty="0"/>
           </a:p>
         </p:txBody>
       </p:sp>
@@ -6382,25 +6343,25 @@
           <a:lstStyle/>
           <a:p>
             <a:r>
-              <a:rPr lang="en-US" dirty="0" smtClean="0"/>
+              <a:rPr lang="en-US" dirty="0"/>
               <a:t>Made several changes to improve code efficiency</a:t>
             </a:r>
           </a:p>
           <a:p>
             <a:r>
-              <a:rPr lang="en-US" dirty="0" smtClean="0"/>
+              <a:rPr lang="en-US" dirty="0"/>
               <a:t>Value of reliable team members</a:t>
             </a:r>
           </a:p>
           <a:p>
             <a:r>
-              <a:rPr lang="en-US" dirty="0" smtClean="0"/>
+              <a:rPr lang="en-US" dirty="0"/>
               <a:t>Using new tools – Android Studio and Google Maps API</a:t>
             </a:r>
           </a:p>
           <a:p>
             <a:r>
-              <a:rPr lang="en-US" dirty="0" smtClean="0"/>
+              <a:rPr lang="en-US" dirty="0"/>
               <a:t>Structured planning and testing process</a:t>
             </a:r>
           </a:p>
@@ -6419,13 +6380,6 @@
   <p:clrMapOvr>
     <a:masterClrMapping/>
   </p:clrMapOvr>
-  <p:timing>
-    <p:tnLst>
-      <p:par>
-        <p:cTn id="1" dur="indefinite" restart="never" nodeType="tmRoot"/>
-      </p:par>
-    </p:tnLst>
-  </p:timing>
 </p:sld>
 </file>
 
@@ -6462,10 +6416,9 @@
           <a:lstStyle/>
           <a:p>
             <a:r>
-              <a:rPr lang="en-US" dirty="0" smtClean="0"/>
+              <a:rPr lang="en-US" dirty="0"/>
               <a:t>The initial problem…</a:t>
             </a:r>
-            <a:endParaRPr lang="en-US" dirty="0"/>
           </a:p>
         </p:txBody>
       </p:sp>
@@ -6490,34 +6443,33 @@
           <a:lstStyle/>
           <a:p>
             <a:r>
-              <a:rPr lang="en-US" dirty="0" smtClean="0"/>
+              <a:rPr lang="en-US" dirty="0"/>
               <a:t>No other useful apps for UNCW campus</a:t>
             </a:r>
           </a:p>
           <a:p>
             <a:r>
-              <a:rPr lang="en-US" dirty="0" smtClean="0"/>
+              <a:rPr lang="en-US" dirty="0"/>
               <a:t>UNCW information scattered around website</a:t>
             </a:r>
           </a:p>
           <a:p>
             <a:r>
-              <a:rPr lang="en-US" dirty="0" smtClean="0"/>
+              <a:rPr lang="en-US" dirty="0"/>
               <a:t>Bus route website is inconvenient</a:t>
             </a:r>
           </a:p>
           <a:p>
             <a:r>
-              <a:rPr lang="en-US" dirty="0" smtClean="0"/>
+              <a:rPr lang="en-US" dirty="0"/>
               <a:t>“Interactive” campus map is difficult to use, especially on mobile</a:t>
             </a:r>
           </a:p>
           <a:p>
             <a:r>
-              <a:rPr lang="en-US" dirty="0" smtClean="0"/>
+              <a:rPr lang="en-US" dirty="0"/>
               <a:t>Google Maps walking directions are typically inaccurate</a:t>
             </a:r>
-            <a:endParaRPr lang="en-US" dirty="0"/>
           </a:p>
         </p:txBody>
       </p:sp>
@@ -6531,13 +6483,6 @@
   <p:clrMapOvr>
     <a:masterClrMapping/>
   </p:clrMapOvr>
-  <p:timing>
-    <p:tnLst>
-      <p:par>
-        <p:cTn id="1" dur="indefinite" restart="never" nodeType="tmRoot"/>
-      </p:par>
-    </p:tnLst>
-  </p:timing>
 </p:sld>
 </file>
 
@@ -6581,10 +6526,9 @@
           <a:lstStyle/>
           <a:p>
             <a:r>
-              <a:rPr lang="en-US" sz="4000" dirty="0" smtClean="0"/>
+              <a:rPr lang="en-US" sz="4000" dirty="0"/>
               <a:t>Work breakdown</a:t>
             </a:r>
-            <a:endParaRPr lang="en-US" sz="4000" dirty="0"/>
           </a:p>
         </p:txBody>
       </p:sp>
@@ -6631,13 +6575,6 @@
   <p:clrMapOvr>
     <a:masterClrMapping/>
   </p:clrMapOvr>
-  <p:timing>
-    <p:tnLst>
-      <p:par>
-        <p:cTn id="1" dur="indefinite" restart="never" nodeType="tmRoot"/>
-      </p:par>
-    </p:tnLst>
-  </p:timing>
 </p:sld>
 </file>
 
@@ -6679,18 +6616,17 @@
           <a:lstStyle/>
           <a:p>
             <a:r>
-              <a:rPr lang="en-US" sz="4000" dirty="0" smtClean="0"/>
+              <a:rPr lang="en-US" sz="4000" dirty="0"/>
               <a:t>Responsibility</a:t>
             </a:r>
             <a:r>
-              <a:rPr lang="en-US" dirty="0" smtClean="0"/>
+              <a:rPr lang="en-US" dirty="0"/>
               <a:t> </a:t>
             </a:r>
             <a:r>
-              <a:rPr lang="en-US" sz="4000" dirty="0" smtClean="0"/>
+              <a:rPr lang="en-US" sz="4000" dirty="0"/>
               <a:t>Matrix</a:t>
             </a:r>
-            <a:endParaRPr lang="en-US" sz="4000" dirty="0"/>
           </a:p>
         </p:txBody>
       </p:sp>
@@ -6720,10 +6656,34 @@
                 <a:tableStyleId>{5C22544A-7EE6-4342-B048-85BDC9FD1C3A}</a:tableStyleId>
               </a:tblPr>
               <a:tblGrid>
-                <a:gridCol w="1807733"/>
-                <a:gridCol w="1034274"/>
-                <a:gridCol w="1034274"/>
-                <a:gridCol w="908363"/>
+                <a:gridCol w="1807733">
+                  <a:extLst>
+                    <a:ext uri="{9D8B030D-6E8A-4147-A177-3AD203B41FA5}">
+                      <a16:colId xmlns:a16="http://schemas.microsoft.com/office/drawing/2014/main" val="20000"/>
+                    </a:ext>
+                  </a:extLst>
+                </a:gridCol>
+                <a:gridCol w="1034274">
+                  <a:extLst>
+                    <a:ext uri="{9D8B030D-6E8A-4147-A177-3AD203B41FA5}">
+                      <a16:colId xmlns:a16="http://schemas.microsoft.com/office/drawing/2014/main" val="20001"/>
+                    </a:ext>
+                  </a:extLst>
+                </a:gridCol>
+                <a:gridCol w="1034274">
+                  <a:extLst>
+                    <a:ext uri="{9D8B030D-6E8A-4147-A177-3AD203B41FA5}">
+                      <a16:colId xmlns:a16="http://schemas.microsoft.com/office/drawing/2014/main" val="20002"/>
+                    </a:ext>
+                  </a:extLst>
+                </a:gridCol>
+                <a:gridCol w="908363">
+                  <a:extLst>
+                    <a:ext uri="{9D8B030D-6E8A-4147-A177-3AD203B41FA5}">
+                      <a16:colId xmlns:a16="http://schemas.microsoft.com/office/drawing/2014/main" val="20003"/>
+                    </a:ext>
+                  </a:extLst>
+                </a:gridCol>
               </a:tblGrid>
               <a:tr h="367244">
                 <a:tc>
@@ -6866,6 +6826,11 @@
                   </a:txBody>
                   <a:tcPr marL="53962" marR="53962" marT="0" marB="0"/>
                 </a:tc>
+                <a:extLst>
+                  <a:ext uri="{0D108BD9-81ED-4DB2-BD59-A6C34878D82A}">
+                    <a16:rowId xmlns:a16="http://schemas.microsoft.com/office/drawing/2014/main" val="10000"/>
+                  </a:ext>
+                </a:extLst>
               </a:tr>
               <a:tr h="183622">
                 <a:tc>
@@ -7008,6 +6973,11 @@
                   </a:txBody>
                   <a:tcPr marL="53962" marR="53962" marT="0" marB="0"/>
                 </a:tc>
+                <a:extLst>
+                  <a:ext uri="{0D108BD9-81ED-4DB2-BD59-A6C34878D82A}">
+                    <a16:rowId xmlns:a16="http://schemas.microsoft.com/office/drawing/2014/main" val="10001"/>
+                  </a:ext>
+                </a:extLst>
               </a:tr>
               <a:tr h="183622">
                 <a:tc>
@@ -7150,6 +7120,11 @@
                   </a:txBody>
                   <a:tcPr marL="53962" marR="53962" marT="0" marB="0"/>
                 </a:tc>
+                <a:extLst>
+                  <a:ext uri="{0D108BD9-81ED-4DB2-BD59-A6C34878D82A}">
+                    <a16:rowId xmlns:a16="http://schemas.microsoft.com/office/drawing/2014/main" val="10002"/>
+                  </a:ext>
+                </a:extLst>
               </a:tr>
               <a:tr h="183622">
                 <a:tc>
@@ -7292,6 +7267,11 @@
                   </a:txBody>
                   <a:tcPr marL="53962" marR="53962" marT="0" marB="0"/>
                 </a:tc>
+                <a:extLst>
+                  <a:ext uri="{0D108BD9-81ED-4DB2-BD59-A6C34878D82A}">
+                    <a16:rowId xmlns:a16="http://schemas.microsoft.com/office/drawing/2014/main" val="10003"/>
+                  </a:ext>
+                </a:extLst>
               </a:tr>
               <a:tr h="183622">
                 <a:tc>
@@ -7434,6 +7414,11 @@
                   </a:txBody>
                   <a:tcPr marL="53962" marR="53962" marT="0" marB="0"/>
                 </a:tc>
+                <a:extLst>
+                  <a:ext uri="{0D108BD9-81ED-4DB2-BD59-A6C34878D82A}">
+                    <a16:rowId xmlns:a16="http://schemas.microsoft.com/office/drawing/2014/main" val="10004"/>
+                  </a:ext>
+                </a:extLst>
               </a:tr>
               <a:tr h="183622">
                 <a:tc>
@@ -7576,6 +7561,11 @@
                   </a:txBody>
                   <a:tcPr marL="53962" marR="53962" marT="0" marB="0"/>
                 </a:tc>
+                <a:extLst>
+                  <a:ext uri="{0D108BD9-81ED-4DB2-BD59-A6C34878D82A}">
+                    <a16:rowId xmlns:a16="http://schemas.microsoft.com/office/drawing/2014/main" val="10005"/>
+                  </a:ext>
+                </a:extLst>
               </a:tr>
               <a:tr h="183622">
                 <a:tc>
@@ -7718,6 +7708,11 @@
                   </a:txBody>
                   <a:tcPr marL="53962" marR="53962" marT="0" marB="0"/>
                 </a:tc>
+                <a:extLst>
+                  <a:ext uri="{0D108BD9-81ED-4DB2-BD59-A6C34878D82A}">
+                    <a16:rowId xmlns:a16="http://schemas.microsoft.com/office/drawing/2014/main" val="10006"/>
+                  </a:ext>
+                </a:extLst>
               </a:tr>
               <a:tr h="367244">
                 <a:tc>
@@ -7860,6 +7855,11 @@
                   </a:txBody>
                   <a:tcPr marL="53962" marR="53962" marT="0" marB="0"/>
                 </a:tc>
+                <a:extLst>
+                  <a:ext uri="{0D108BD9-81ED-4DB2-BD59-A6C34878D82A}">
+                    <a16:rowId xmlns:a16="http://schemas.microsoft.com/office/drawing/2014/main" val="10007"/>
+                  </a:ext>
+                </a:extLst>
               </a:tr>
               <a:tr h="183622">
                 <a:tc>
@@ -8002,6 +8002,11 @@
                   </a:txBody>
                   <a:tcPr marL="53962" marR="53962" marT="0" marB="0"/>
                 </a:tc>
+                <a:extLst>
+                  <a:ext uri="{0D108BD9-81ED-4DB2-BD59-A6C34878D82A}">
+                    <a16:rowId xmlns:a16="http://schemas.microsoft.com/office/drawing/2014/main" val="10008"/>
+                  </a:ext>
+                </a:extLst>
               </a:tr>
               <a:tr h="183622">
                 <a:tc>
@@ -8144,6 +8149,11 @@
                   </a:txBody>
                   <a:tcPr marL="53962" marR="53962" marT="0" marB="0"/>
                 </a:tc>
+                <a:extLst>
+                  <a:ext uri="{0D108BD9-81ED-4DB2-BD59-A6C34878D82A}">
+                    <a16:rowId xmlns:a16="http://schemas.microsoft.com/office/drawing/2014/main" val="10009"/>
+                  </a:ext>
+                </a:extLst>
               </a:tr>
               <a:tr h="183622">
                 <a:tc>
@@ -8286,6 +8296,11 @@
                   </a:txBody>
                   <a:tcPr marL="53962" marR="53962" marT="0" marB="0"/>
                 </a:tc>
+                <a:extLst>
+                  <a:ext uri="{0D108BD9-81ED-4DB2-BD59-A6C34878D82A}">
+                    <a16:rowId xmlns:a16="http://schemas.microsoft.com/office/drawing/2014/main" val="10010"/>
+                  </a:ext>
+                </a:extLst>
               </a:tr>
               <a:tr h="183622">
                 <a:tc>
@@ -8428,6 +8443,11 @@
                   </a:txBody>
                   <a:tcPr marL="53962" marR="53962" marT="0" marB="0"/>
                 </a:tc>
+                <a:extLst>
+                  <a:ext uri="{0D108BD9-81ED-4DB2-BD59-A6C34878D82A}">
+                    <a16:rowId xmlns:a16="http://schemas.microsoft.com/office/drawing/2014/main" val="10011"/>
+                  </a:ext>
+                </a:extLst>
               </a:tr>
               <a:tr h="183622">
                 <a:tc>
@@ -8570,6 +8590,11 @@
                   </a:txBody>
                   <a:tcPr marL="53962" marR="53962" marT="0" marB="0"/>
                 </a:tc>
+                <a:extLst>
+                  <a:ext uri="{0D108BD9-81ED-4DB2-BD59-A6C34878D82A}">
+                    <a16:rowId xmlns:a16="http://schemas.microsoft.com/office/drawing/2014/main" val="10012"/>
+                  </a:ext>
+                </a:extLst>
               </a:tr>
               <a:tr h="183622">
                 <a:tc>
@@ -8712,6 +8737,11 @@
                   </a:txBody>
                   <a:tcPr marL="53962" marR="53962" marT="0" marB="0"/>
                 </a:tc>
+                <a:extLst>
+                  <a:ext uri="{0D108BD9-81ED-4DB2-BD59-A6C34878D82A}">
+                    <a16:rowId xmlns:a16="http://schemas.microsoft.com/office/drawing/2014/main" val="10013"/>
+                  </a:ext>
+                </a:extLst>
               </a:tr>
               <a:tr h="183622">
                 <a:tc>
@@ -8854,6 +8884,11 @@
                   </a:txBody>
                   <a:tcPr marL="53962" marR="53962" marT="0" marB="0"/>
                 </a:tc>
+                <a:extLst>
+                  <a:ext uri="{0D108BD9-81ED-4DB2-BD59-A6C34878D82A}">
+                    <a16:rowId xmlns:a16="http://schemas.microsoft.com/office/drawing/2014/main" val="10014"/>
+                  </a:ext>
+                </a:extLst>
               </a:tr>
               <a:tr h="183622">
                 <a:tc>
@@ -8996,6 +9031,11 @@
                   </a:txBody>
                   <a:tcPr marL="53962" marR="53962" marT="0" marB="0"/>
                 </a:tc>
+                <a:extLst>
+                  <a:ext uri="{0D108BD9-81ED-4DB2-BD59-A6C34878D82A}">
+                    <a16:rowId xmlns:a16="http://schemas.microsoft.com/office/drawing/2014/main" val="10015"/>
+                  </a:ext>
+                </a:extLst>
               </a:tr>
               <a:tr h="183622">
                 <a:tc>
@@ -9138,6 +9178,11 @@
                   </a:txBody>
                   <a:tcPr marL="53962" marR="53962" marT="0" marB="0"/>
                 </a:tc>
+                <a:extLst>
+                  <a:ext uri="{0D108BD9-81ED-4DB2-BD59-A6C34878D82A}">
+                    <a16:rowId xmlns:a16="http://schemas.microsoft.com/office/drawing/2014/main" val="10016"/>
+                  </a:ext>
+                </a:extLst>
               </a:tr>
               <a:tr h="183622">
                 <a:tc>
@@ -9280,6 +9325,11 @@
                   </a:txBody>
                   <a:tcPr marL="53962" marR="53962" marT="0" marB="0"/>
                 </a:tc>
+                <a:extLst>
+                  <a:ext uri="{0D108BD9-81ED-4DB2-BD59-A6C34878D82A}">
+                    <a16:rowId xmlns:a16="http://schemas.microsoft.com/office/drawing/2014/main" val="10017"/>
+                  </a:ext>
+                </a:extLst>
               </a:tr>
               <a:tr h="183622">
                 <a:tc>
@@ -9422,6 +9472,11 @@
                   </a:txBody>
                   <a:tcPr marL="53962" marR="53962" marT="0" marB="0"/>
                 </a:tc>
+                <a:extLst>
+                  <a:ext uri="{0D108BD9-81ED-4DB2-BD59-A6C34878D82A}">
+                    <a16:rowId xmlns:a16="http://schemas.microsoft.com/office/drawing/2014/main" val="10018"/>
+                  </a:ext>
+                </a:extLst>
               </a:tr>
               <a:tr h="183622">
                 <a:tc>
@@ -9564,6 +9619,11 @@
                   </a:txBody>
                   <a:tcPr marL="53962" marR="53962" marT="0" marB="0"/>
                 </a:tc>
+                <a:extLst>
+                  <a:ext uri="{0D108BD9-81ED-4DB2-BD59-A6C34878D82A}">
+                    <a16:rowId xmlns:a16="http://schemas.microsoft.com/office/drawing/2014/main" val="10019"/>
+                  </a:ext>
+                </a:extLst>
               </a:tr>
               <a:tr h="183622">
                 <a:tc>
@@ -9706,6 +9766,11 @@
                   </a:txBody>
                   <a:tcPr marL="53962" marR="53962" marT="0" marB="0"/>
                 </a:tc>
+                <a:extLst>
+                  <a:ext uri="{0D108BD9-81ED-4DB2-BD59-A6C34878D82A}">
+                    <a16:rowId xmlns:a16="http://schemas.microsoft.com/office/drawing/2014/main" val="10020"/>
+                  </a:ext>
+                </a:extLst>
               </a:tr>
               <a:tr h="183622">
                 <a:tc>
@@ -9848,6 +9913,11 @@
                   </a:txBody>
                   <a:tcPr marL="53962" marR="53962" marT="0" marB="0"/>
                 </a:tc>
+                <a:extLst>
+                  <a:ext uri="{0D108BD9-81ED-4DB2-BD59-A6C34878D82A}">
+                    <a16:rowId xmlns:a16="http://schemas.microsoft.com/office/drawing/2014/main" val="10021"/>
+                  </a:ext>
+                </a:extLst>
               </a:tr>
               <a:tr h="183622">
                 <a:tc>
@@ -9990,6 +10060,11 @@
                   </a:txBody>
                   <a:tcPr marL="53962" marR="53962" marT="0" marB="0"/>
                 </a:tc>
+                <a:extLst>
+                  <a:ext uri="{0D108BD9-81ED-4DB2-BD59-A6C34878D82A}">
+                    <a16:rowId xmlns:a16="http://schemas.microsoft.com/office/drawing/2014/main" val="10022"/>
+                  </a:ext>
+                </a:extLst>
               </a:tr>
               <a:tr h="183622">
                 <a:tc>
@@ -10132,6 +10207,11 @@
                   </a:txBody>
                   <a:tcPr marL="53962" marR="53962" marT="0" marB="0"/>
                 </a:tc>
+                <a:extLst>
+                  <a:ext uri="{0D108BD9-81ED-4DB2-BD59-A6C34878D82A}">
+                    <a16:rowId xmlns:a16="http://schemas.microsoft.com/office/drawing/2014/main" val="10023"/>
+                  </a:ext>
+                </a:extLst>
               </a:tr>
               <a:tr h="183622">
                 <a:tc>
@@ -10274,6 +10354,11 @@
                   </a:txBody>
                   <a:tcPr marL="53962" marR="53962" marT="0" marB="0"/>
                 </a:tc>
+                <a:extLst>
+                  <a:ext uri="{0D108BD9-81ED-4DB2-BD59-A6C34878D82A}">
+                    <a16:rowId xmlns:a16="http://schemas.microsoft.com/office/drawing/2014/main" val="10024"/>
+                  </a:ext>
+                </a:extLst>
               </a:tr>
               <a:tr h="183622">
                 <a:tc>
@@ -10416,6 +10501,11 @@
                   </a:txBody>
                   <a:tcPr marL="53962" marR="53962" marT="0" marB="0"/>
                 </a:tc>
+                <a:extLst>
+                  <a:ext uri="{0D108BD9-81ED-4DB2-BD59-A6C34878D82A}">
+                    <a16:rowId xmlns:a16="http://schemas.microsoft.com/office/drawing/2014/main" val="10025"/>
+                  </a:ext>
+                </a:extLst>
               </a:tr>
               <a:tr h="183622">
                 <a:tc>
@@ -10558,6 +10648,11 @@
                   </a:txBody>
                   <a:tcPr marL="53962" marR="53962" marT="0" marB="0"/>
                 </a:tc>
+                <a:extLst>
+                  <a:ext uri="{0D108BD9-81ED-4DB2-BD59-A6C34878D82A}">
+                    <a16:rowId xmlns:a16="http://schemas.microsoft.com/office/drawing/2014/main" val="10026"/>
+                  </a:ext>
+                </a:extLst>
               </a:tr>
               <a:tr h="183622">
                 <a:tc>
@@ -10700,6 +10795,11 @@
                   </a:txBody>
                   <a:tcPr marL="53962" marR="53962" marT="0" marB="0"/>
                 </a:tc>
+                <a:extLst>
+                  <a:ext uri="{0D108BD9-81ED-4DB2-BD59-A6C34878D82A}">
+                    <a16:rowId xmlns:a16="http://schemas.microsoft.com/office/drawing/2014/main" val="10027"/>
+                  </a:ext>
+                </a:extLst>
               </a:tr>
               <a:tr h="183622">
                 <a:tc>
@@ -10842,6 +10942,11 @@
                   </a:txBody>
                   <a:tcPr marL="53962" marR="53962" marT="0" marB="0"/>
                 </a:tc>
+                <a:extLst>
+                  <a:ext uri="{0D108BD9-81ED-4DB2-BD59-A6C34878D82A}">
+                    <a16:rowId xmlns:a16="http://schemas.microsoft.com/office/drawing/2014/main" val="10028"/>
+                  </a:ext>
+                </a:extLst>
               </a:tr>
               <a:tr h="183622">
                 <a:tc>
@@ -10984,6 +11089,11 @@
                   </a:txBody>
                   <a:tcPr marL="53962" marR="53962" marT="0" marB="0"/>
                 </a:tc>
+                <a:extLst>
+                  <a:ext uri="{0D108BD9-81ED-4DB2-BD59-A6C34878D82A}">
+                    <a16:rowId xmlns:a16="http://schemas.microsoft.com/office/drawing/2014/main" val="10029"/>
+                  </a:ext>
+                </a:extLst>
               </a:tr>
               <a:tr h="183622">
                 <a:tc>
@@ -11126,6 +11236,11 @@
                   </a:txBody>
                   <a:tcPr marL="53962" marR="53962" marT="0" marB="0"/>
                 </a:tc>
+                <a:extLst>
+                  <a:ext uri="{0D108BD9-81ED-4DB2-BD59-A6C34878D82A}">
+                    <a16:rowId xmlns:a16="http://schemas.microsoft.com/office/drawing/2014/main" val="10030"/>
+                  </a:ext>
+                </a:extLst>
               </a:tr>
               <a:tr h="183622">
                 <a:tc>
@@ -11268,6 +11383,11 @@
                   </a:txBody>
                   <a:tcPr marL="53962" marR="53962" marT="0" marB="0"/>
                 </a:tc>
+                <a:extLst>
+                  <a:ext uri="{0D108BD9-81ED-4DB2-BD59-A6C34878D82A}">
+                    <a16:rowId xmlns:a16="http://schemas.microsoft.com/office/drawing/2014/main" val="10031"/>
+                  </a:ext>
+                </a:extLst>
               </a:tr>
             </a:tbl>
           </a:graphicData>
@@ -11283,13 +11403,6 @@
   <p:clrMapOvr>
     <a:masterClrMapping/>
   </p:clrMapOvr>
-  <p:timing>
-    <p:tnLst>
-      <p:par>
-        <p:cTn id="1" dur="indefinite" restart="never" nodeType="tmRoot"/>
-      </p:par>
-    </p:tnLst>
-  </p:timing>
 </p:sld>
 </file>
 
@@ -11393,10 +11506,9 @@
           <a:lstStyle/>
           <a:p>
             <a:r>
-              <a:rPr lang="en-US" sz="4000" dirty="0" smtClean="0"/>
+              <a:rPr lang="en-US" sz="4000" dirty="0"/>
               <a:t>Original Gantt Chart</a:t>
             </a:r>
-            <a:endParaRPr lang="en-US" sz="4000" dirty="0"/>
           </a:p>
         </p:txBody>
       </p:sp>
@@ -11423,10 +11535,9 @@
           <a:lstStyle/>
           <a:p>
             <a:r>
-              <a:rPr lang="en-US" sz="4000" dirty="0" smtClean="0"/>
+              <a:rPr lang="en-US" sz="4000" dirty="0"/>
               <a:t>Final Gantt Chart</a:t>
             </a:r>
-            <a:endParaRPr lang="en-US" sz="4000" dirty="0"/>
           </a:p>
         </p:txBody>
       </p:sp>
@@ -11440,13 +11551,6 @@
   <p:clrMapOvr>
     <a:masterClrMapping/>
   </p:clrMapOvr>
-  <p:timing>
-    <p:tnLst>
-      <p:par>
-        <p:cTn id="1" dur="indefinite" restart="never" nodeType="tmRoot"/>
-      </p:par>
-    </p:tnLst>
-  </p:timing>
 </p:sld>
 </file>
 
@@ -11490,10 +11594,9 @@
           <a:lstStyle/>
           <a:p>
             <a:r>
-              <a:rPr lang="en-US" sz="4000" dirty="0" smtClean="0"/>
+              <a:rPr lang="en-US" sz="4000" dirty="0"/>
               <a:t>Use Case Diagram</a:t>
             </a:r>
-            <a:endParaRPr lang="en-US" sz="4000" dirty="0"/>
           </a:p>
         </p:txBody>
       </p:sp>
@@ -11535,13 +11638,6 @@
   <p:clrMapOvr>
     <a:masterClrMapping/>
   </p:clrMapOvr>
-  <p:timing>
-    <p:tnLst>
-      <p:par>
-        <p:cTn id="1" dur="indefinite" restart="never" nodeType="tmRoot"/>
-      </p:par>
-    </p:tnLst>
-  </p:timing>
 </p:sld>
 </file>
 
@@ -11650,10 +11746,9 @@
           </a:lstStyle>
           <a:p>
             <a:r>
-              <a:rPr lang="en-US" sz="4000" dirty="0" smtClean="0"/>
+              <a:rPr lang="en-US" sz="4000" dirty="0"/>
               <a:t>Architectural Design</a:t>
             </a:r>
-            <a:endParaRPr lang="en-US" sz="4000" dirty="0"/>
           </a:p>
         </p:txBody>
       </p:sp>
@@ -11667,13 +11762,6 @@
   <p:clrMapOvr>
     <a:masterClrMapping/>
   </p:clrMapOvr>
-  <p:timing>
-    <p:tnLst>
-      <p:par>
-        <p:cTn id="1" dur="indefinite" restart="never" nodeType="tmRoot"/>
-      </p:par>
-    </p:tnLst>
-  </p:timing>
 </p:sld>
 </file>
 
@@ -11704,7 +11792,7 @@
         </p:nvSpPr>
         <p:spPr>
           <a:xfrm>
-            <a:off x="503824" y="790575"/>
+            <a:off x="0" y="114300"/>
             <a:ext cx="4559882" cy="1600200"/>
           </a:xfrm>
           <a:prstGeom prst="rect">
@@ -11754,13 +11842,36 @@
           </a:lstStyle>
           <a:p>
             <a:r>
-              <a:rPr lang="en-US" sz="4000" dirty="0" smtClean="0"/>
-              <a:t>UML Class Models</a:t>
-            </a:r>
-            <a:endParaRPr lang="en-US" sz="4000" dirty="0"/>
-          </a:p>
-        </p:txBody>
-      </p:sp>
+              <a:rPr lang="en-US" sz="4000" dirty="0"/>
+              <a:t>UML Class Model</a:t>
+            </a:r>
+          </a:p>
+        </p:txBody>
+      </p:sp>
+      <p:pic>
+        <p:nvPicPr>
+          <p:cNvPr id="3" name="Picture 2"/>
+          <p:cNvPicPr>
+            <a:picLocks noChangeAspect="1"/>
+          </p:cNvPicPr>
+          <p:nvPr/>
+        </p:nvPicPr>
+        <p:blipFill>
+          <a:blip r:embed="rId2"/>
+          <a:stretch>
+            <a:fillRect/>
+          </a:stretch>
+        </p:blipFill>
+        <p:spPr>
+          <a:xfrm>
+            <a:off x="3797300" y="38100"/>
+            <a:ext cx="8242300" cy="6776384"/>
+          </a:xfrm>
+          <a:prstGeom prst="rect">
+            <a:avLst/>
+          </a:prstGeom>
+        </p:spPr>
+      </p:pic>
     </p:spTree>
     <p:extLst>
       <p:ext uri="{BB962C8B-B14F-4D97-AF65-F5344CB8AC3E}">
@@ -11771,13 +11882,6 @@
   <p:clrMapOvr>
     <a:masterClrMapping/>
   </p:clrMapOvr>
-  <p:timing>
-    <p:tnLst>
-      <p:par>
-        <p:cTn id="1" dur="indefinite" restart="never" nodeType="tmRoot"/>
-      </p:par>
-    </p:tnLst>
-  </p:timing>
 </p:sld>
 </file>
 
@@ -11821,10 +11925,9 @@
           <a:lstStyle/>
           <a:p>
             <a:r>
-              <a:rPr lang="en-US" sz="4000" dirty="0" smtClean="0"/>
+              <a:rPr lang="en-US" sz="4000" dirty="0"/>
               <a:t>Activity Diagram</a:t>
             </a:r>
-            <a:endParaRPr lang="en-US" sz="4000" dirty="0"/>
           </a:p>
         </p:txBody>
       </p:sp>
@@ -11866,13 +11969,6 @@
   <p:clrMapOvr>
     <a:masterClrMapping/>
   </p:clrMapOvr>
-  <p:timing>
-    <p:tnLst>
-      <p:par>
-        <p:cTn id="1" dur="indefinite" restart="never" nodeType="tmRoot"/>
-      </p:par>
-    </p:tnLst>
-  </p:timing>
 </p:sld>
 </file>
 
